--- a/Presentation/TemplateIoT.pptx
+++ b/Presentation/TemplateIoT.pptx
@@ -5,7 +5,7 @@
     <p:sldMasterId id="2147483648" r:id="rId1"/>
   </p:sldMasterIdLst>
   <p:notesMasterIdLst>
-    <p:notesMasterId r:id="rId11"/>
+    <p:notesMasterId r:id="rId12"/>
   </p:notesMasterIdLst>
   <p:sldIdLst>
     <p:sldId id="256" r:id="rId2"/>
@@ -15,8 +15,9 @@
     <p:sldId id="259" r:id="rId6"/>
     <p:sldId id="267" r:id="rId7"/>
     <p:sldId id="265" r:id="rId8"/>
-    <p:sldId id="268" r:id="rId9"/>
-    <p:sldId id="269" r:id="rId10"/>
+    <p:sldId id="270" r:id="rId9"/>
+    <p:sldId id="271" r:id="rId10"/>
+    <p:sldId id="272" r:id="rId11"/>
   </p:sldIdLst>
   <p:sldSz cx="24384000" cy="13716000"/>
   <p:notesSz cx="6858000" cy="9144000"/>
@@ -558,117 +559,6 @@
           <a:bodyPr/>
           <a:lstStyle/>
           <a:p>
-            <a:r>
-              <a:rPr lang="it-IT" dirty="0" err="1"/>
-              <a:t>PassChain</a:t>
-            </a:r>
-            <a:r>
-              <a:rPr lang="it-IT" dirty="0"/>
-              <a:t> è un dispositivo IOT, ma cos’è l’IoT?</a:t>
-            </a:r>
-          </a:p>
-          <a:p>
-            <a:endParaRPr lang="it-IT" dirty="0"/>
-          </a:p>
-          <a:p>
-            <a:pPr marL="0" marR="0" indent="0" algn="l" defTabSz="2438338" rtl="0" fontAlgn="auto" latinLnBrk="0" hangingPunct="0">
-              <a:lnSpc>
-                <a:spcPct val="100000"/>
-              </a:lnSpc>
-              <a:spcBef>
-                <a:spcPts val="0"/>
-              </a:spcBef>
-              <a:spcAft>
-                <a:spcPts val="0"/>
-              </a:spcAft>
-              <a:buClrTx/>
-              <a:buSzTx/>
-              <a:buFontTx/>
-              <a:buNone/>
-              <a:tabLst/>
-            </a:pPr>
-            <a:r>
-              <a:rPr lang="it-IT" sz="2400" dirty="0">
-                <a:latin typeface="JetBrains Mono Regular"/>
-              </a:rPr>
-              <a:t>L’Internet of </a:t>
-            </a:r>
-            <a:r>
-              <a:rPr lang="it-IT" sz="2400" dirty="0" err="1">
-                <a:latin typeface="JetBrains Mono Regular"/>
-              </a:rPr>
-              <a:t>Things</a:t>
-            </a:r>
-            <a:r>
-              <a:rPr lang="it-IT" sz="2400" dirty="0">
-                <a:latin typeface="JetBrains Mono Regular"/>
-              </a:rPr>
-              <a:t> è il processo di connessione a Internet di oggetti fisici di utilizzo quotidiano, dagli oggetti più familiari usati in casa a quelli smart e, per finire, alle smart city</a:t>
-            </a:r>
-          </a:p>
-          <a:p>
-            <a:pPr marL="0" marR="0" indent="0" algn="l" defTabSz="2438338" rtl="0" fontAlgn="auto" latinLnBrk="0" hangingPunct="0">
-              <a:lnSpc>
-                <a:spcPct val="100000"/>
-              </a:lnSpc>
-              <a:spcBef>
-                <a:spcPts val="0"/>
-              </a:spcBef>
-              <a:spcAft>
-                <a:spcPts val="0"/>
-              </a:spcAft>
-              <a:buClrTx/>
-              <a:buSzTx/>
-              <a:buFontTx/>
-              <a:buNone/>
-              <a:tabLst/>
-            </a:pPr>
-            <a:r>
-              <a:rPr lang="it-IT" sz="2400" dirty="0">
-                <a:latin typeface="JetBrains Mono Regular"/>
-              </a:rPr>
-              <a:t>L'acronimo IoT indica qualsiasi sistema di dispositivi fisici che ricevono e trasferiscono i dati su reti wireless. Ciò si ottiene integrando negli oggetti dispositivi di elaborazione.</a:t>
-            </a:r>
-          </a:p>
-          <a:p>
-            <a:pPr marL="0" marR="0" indent="0" algn="l" defTabSz="2438338" rtl="0" fontAlgn="auto" latinLnBrk="0" hangingPunct="0">
-              <a:lnSpc>
-                <a:spcPct val="100000"/>
-              </a:lnSpc>
-              <a:spcBef>
-                <a:spcPts val="0"/>
-              </a:spcBef>
-              <a:spcAft>
-                <a:spcPts val="0"/>
-              </a:spcAft>
-              <a:buClrTx/>
-              <a:buSzTx/>
-              <a:buFontTx/>
-              <a:buNone/>
-              <a:tabLst/>
-            </a:pPr>
-            <a:r>
-              <a:rPr lang="it-IT" sz="2400" dirty="0">
-                <a:latin typeface="JetBrains Mono Regular"/>
-              </a:rPr>
-              <a:t>Un tipico sistema IoT funziona grazie all'invio, alla ricezione e all'analisi dei dati in un ciclo continuo di feed back . A seconda del tipo di sistema IoT , l'analisi può essere eseguita tramite intervento manuale o da tecnologie di intelligenza artificiale e machine learning ( AI/ML).</a:t>
-            </a:r>
-            <a:endParaRPr kumimoji="0" lang="it-IT" sz="2400" b="0" i="0" u="none" strike="noStrike" cap="none" spc="0" normalizeH="0" baseline="0" dirty="0">
-              <a:ln>
-                <a:noFill/>
-              </a:ln>
-              <a:solidFill>
-                <a:schemeClr val="bg2">
-                  <a:lumMod val="10000"/>
-                </a:schemeClr>
-              </a:solidFill>
-              <a:effectLst/>
-              <a:uFillTx/>
-              <a:latin typeface="JetBrains Mono Regular"/>
-              <a:sym typeface="Helvetica Neue"/>
-            </a:endParaRPr>
-          </a:p>
-          <a:p>
             <a:endParaRPr lang="it-IT" dirty="0"/>
           </a:p>
         </p:txBody>
@@ -735,117 +625,6 @@
           <a:bodyPr/>
           <a:lstStyle/>
           <a:p>
-            <a:r>
-              <a:rPr lang="it-IT" dirty="0" err="1"/>
-              <a:t>PassChain</a:t>
-            </a:r>
-            <a:r>
-              <a:rPr lang="it-IT" dirty="0"/>
-              <a:t> è un dispositivo IOT, ma cos’è l’IoT?</a:t>
-            </a:r>
-          </a:p>
-          <a:p>
-            <a:endParaRPr lang="it-IT" dirty="0"/>
-          </a:p>
-          <a:p>
-            <a:pPr marL="0" marR="0" indent="0" algn="l" defTabSz="2438338" rtl="0" fontAlgn="auto" latinLnBrk="0" hangingPunct="0">
-              <a:lnSpc>
-                <a:spcPct val="100000"/>
-              </a:lnSpc>
-              <a:spcBef>
-                <a:spcPts val="0"/>
-              </a:spcBef>
-              <a:spcAft>
-                <a:spcPts val="0"/>
-              </a:spcAft>
-              <a:buClrTx/>
-              <a:buSzTx/>
-              <a:buFontTx/>
-              <a:buNone/>
-              <a:tabLst/>
-            </a:pPr>
-            <a:r>
-              <a:rPr lang="it-IT" sz="2400" dirty="0">
-                <a:latin typeface="JetBrains Mono Regular"/>
-              </a:rPr>
-              <a:t>L’Internet of </a:t>
-            </a:r>
-            <a:r>
-              <a:rPr lang="it-IT" sz="2400" dirty="0" err="1">
-                <a:latin typeface="JetBrains Mono Regular"/>
-              </a:rPr>
-              <a:t>Things</a:t>
-            </a:r>
-            <a:r>
-              <a:rPr lang="it-IT" sz="2400" dirty="0">
-                <a:latin typeface="JetBrains Mono Regular"/>
-              </a:rPr>
-              <a:t> è il processo di connessione a Internet di oggetti fisici di utilizzo quotidiano, dagli oggetti più familiari usati in casa a quelli smart e, per finire, alle smart city</a:t>
-            </a:r>
-          </a:p>
-          <a:p>
-            <a:pPr marL="0" marR="0" indent="0" algn="l" defTabSz="2438338" rtl="0" fontAlgn="auto" latinLnBrk="0" hangingPunct="0">
-              <a:lnSpc>
-                <a:spcPct val="100000"/>
-              </a:lnSpc>
-              <a:spcBef>
-                <a:spcPts val="0"/>
-              </a:spcBef>
-              <a:spcAft>
-                <a:spcPts val="0"/>
-              </a:spcAft>
-              <a:buClrTx/>
-              <a:buSzTx/>
-              <a:buFontTx/>
-              <a:buNone/>
-              <a:tabLst/>
-            </a:pPr>
-            <a:r>
-              <a:rPr lang="it-IT" sz="2400" dirty="0">
-                <a:latin typeface="JetBrains Mono Regular"/>
-              </a:rPr>
-              <a:t>L'acronimo IoT indica qualsiasi sistema di dispositivi fisici che ricevono e trasferiscono i dati su reti wireless. Ciò si ottiene integrando negli oggetti dispositivi di elaborazione.</a:t>
-            </a:r>
-          </a:p>
-          <a:p>
-            <a:pPr marL="0" marR="0" indent="0" algn="l" defTabSz="2438338" rtl="0" fontAlgn="auto" latinLnBrk="0" hangingPunct="0">
-              <a:lnSpc>
-                <a:spcPct val="100000"/>
-              </a:lnSpc>
-              <a:spcBef>
-                <a:spcPts val="0"/>
-              </a:spcBef>
-              <a:spcAft>
-                <a:spcPts val="0"/>
-              </a:spcAft>
-              <a:buClrTx/>
-              <a:buSzTx/>
-              <a:buFontTx/>
-              <a:buNone/>
-              <a:tabLst/>
-            </a:pPr>
-            <a:r>
-              <a:rPr lang="it-IT" sz="2400" dirty="0">
-                <a:latin typeface="JetBrains Mono Regular"/>
-              </a:rPr>
-              <a:t>Un tipico sistema IoT funziona grazie all'invio, alla ricezione e all'analisi dei dati in un ciclo continuo di feed back . A seconda del tipo di sistema IoT , l'analisi può essere eseguita tramite intervento manuale o da tecnologie di intelligenza artificiale e machine learning ( AI/ML).</a:t>
-            </a:r>
-            <a:endParaRPr kumimoji="0" lang="it-IT" sz="2400" b="0" i="0" u="none" strike="noStrike" cap="none" spc="0" normalizeH="0" baseline="0" dirty="0">
-              <a:ln>
-                <a:noFill/>
-              </a:ln>
-              <a:solidFill>
-                <a:schemeClr val="bg2">
-                  <a:lumMod val="10000"/>
-                </a:schemeClr>
-              </a:solidFill>
-              <a:effectLst/>
-              <a:uFillTx/>
-              <a:latin typeface="JetBrains Mono Regular"/>
-              <a:sym typeface="Helvetica Neue"/>
-            </a:endParaRPr>
-          </a:p>
-          <a:p>
             <a:endParaRPr lang="it-IT" dirty="0"/>
           </a:p>
         </p:txBody>
@@ -912,70 +691,12 @@
           <a:bodyPr/>
           <a:lstStyle/>
           <a:p>
-            <a:r>
-              <a:rPr lang="it-IT" sz="1800" b="0" i="0" u="none" strike="noStrike" baseline="0" dirty="0">
-                <a:solidFill>
-                  <a:srgbClr val="000000"/>
-                </a:solidFill>
-                <a:latin typeface="Garamond" panose="02020404030301010803" pitchFamily="18" charset="0"/>
-              </a:rPr>
-              <a:t>La realizzazione di </a:t>
-            </a:r>
-            <a:r>
-              <a:rPr lang="it-IT" sz="1800" b="0" i="0" u="none" strike="noStrike" baseline="0" dirty="0" err="1">
-                <a:solidFill>
-                  <a:srgbClr val="000000"/>
-                </a:solidFill>
-                <a:latin typeface="Garamond" panose="02020404030301010803" pitchFamily="18" charset="0"/>
-              </a:rPr>
-              <a:t>PassChain</a:t>
-            </a:r>
-            <a:r>
-              <a:rPr lang="it-IT" sz="1800" b="0" i="0" u="none" strike="noStrike" baseline="0" dirty="0">
-                <a:solidFill>
-                  <a:srgbClr val="000000"/>
-                </a:solidFill>
-                <a:latin typeface="Garamond" panose="02020404030301010803" pitchFamily="18" charset="0"/>
-              </a:rPr>
-              <a:t> ha come obiettivo quello di facilitare l’utente nell’autenticazione digitale ma anche di assicurare la sicurezza attraverso la sua funzione di password manager. Con questo sistema l’utente non dovrà fare altro che collegarlo ad un dispositivo (Computer, Smartphone, …) tramite Bluetooth e, una volta che si è autenticato tramite un tastierino numerico, le credenziali scelte saranno inviate automaticamente nei campi di login/registrazione del servizio selezionato dall’utente. Quindi, gli obiettivi che il sistema propone sono: la sicurezza, l’efficienza, la portabilità e la versatilità. </a:t>
-            </a:r>
-          </a:p>
-          <a:p>
             <a:endParaRPr lang="it-IT" sz="1800" b="0" i="0" u="none" strike="noStrike" baseline="0" dirty="0">
               <a:solidFill>
                 <a:srgbClr val="000000"/>
               </a:solidFill>
               <a:latin typeface="Garamond" panose="02020404030301010803" pitchFamily="18" charset="0"/>
             </a:endParaRPr>
-          </a:p>
-          <a:p>
-            <a:r>
-              <a:rPr lang="it-IT" sz="1800" b="0" i="0" u="none" strike="noStrike" baseline="0" dirty="0">
-                <a:solidFill>
-                  <a:srgbClr val="000000"/>
-                </a:solidFill>
-                <a:latin typeface="Garamond" panose="02020404030301010803" pitchFamily="18" charset="0"/>
-              </a:rPr>
-              <a:t>Il sistema che proponiamo di realizzare è un dispositivo IoT che permette ad un utente di autenticarsi in un sito web oppure in un’applicazione per smartphone in pochi e semplici passi; l’utente non dovrà ricordare tutte le password e gli username che possiede poiché </a:t>
-            </a:r>
-            <a:r>
-              <a:rPr lang="it-IT" sz="1800" b="0" i="0" u="none" strike="noStrike" baseline="0" dirty="0" err="1">
-                <a:solidFill>
-                  <a:srgbClr val="000000"/>
-                </a:solidFill>
-                <a:latin typeface="Garamond" panose="02020404030301010803" pitchFamily="18" charset="0"/>
-              </a:rPr>
-              <a:t>PassChain</a:t>
-            </a:r>
-            <a:r>
-              <a:rPr lang="it-IT" sz="1800" b="0" i="0" u="none" strike="noStrike" baseline="0" dirty="0">
-                <a:solidFill>
-                  <a:srgbClr val="000000"/>
-                </a:solidFill>
-                <a:latin typeface="Garamond" panose="02020404030301010803" pitchFamily="18" charset="0"/>
-              </a:rPr>
-              <a:t> è un password manager: al suo interno saranno memorizzate un insieme di credenziali (cifrate) che l’utente potrà reperire tramite semplici steps. </a:t>
-            </a:r>
           </a:p>
         </p:txBody>
       </p:sp>
@@ -1041,250 +762,6 @@
           <a:bodyPr/>
           <a:lstStyle/>
           <a:p>
-            <a:r>
-              <a:rPr lang="it-IT" sz="2400" b="1" i="0" u="none" strike="noStrike" baseline="0" dirty="0">
-                <a:solidFill>
-                  <a:srgbClr val="000000"/>
-                </a:solidFill>
-                <a:latin typeface="Calibri" panose="020F0502020204030204" pitchFamily="34" charset="0"/>
-              </a:rPr>
-              <a:t>MQTT </a:t>
-            </a:r>
-            <a:r>
-              <a:rPr lang="it-IT" sz="2400" b="0" i="0" u="none" strike="noStrike" baseline="0" dirty="0">
-                <a:solidFill>
-                  <a:srgbClr val="000000"/>
-                </a:solidFill>
-                <a:latin typeface="Calibri" panose="020F0502020204030204" pitchFamily="34" charset="0"/>
-              </a:rPr>
-              <a:t>è un protocollo (TCP/IP) semplice e leggero usato per lo scambio di messaggi e con l’obiettivo di minimizzare il traffico sulle reti e richiedere poche risorse ai dispositivi per la sua gestione. </a:t>
-            </a:r>
-          </a:p>
-          <a:p>
-            <a:r>
-              <a:rPr lang="it-IT" sz="2400" b="0" i="0" u="none" strike="noStrike" baseline="0" dirty="0">
-                <a:solidFill>
-                  <a:srgbClr val="000000"/>
-                </a:solidFill>
-                <a:latin typeface="Calibri" panose="020F0502020204030204" pitchFamily="34" charset="0"/>
-              </a:rPr>
-              <a:t>Si tratta di un protocollo capace di eseguire in maniera efficiente la distribuzione di messaggi da </a:t>
-            </a:r>
-            <a:r>
-              <a:rPr lang="it-IT" sz="2400" b="1" i="0" u="none" strike="noStrike" baseline="0" dirty="0">
-                <a:solidFill>
-                  <a:srgbClr val="000000"/>
-                </a:solidFill>
-                <a:latin typeface="Calibri" panose="020F0502020204030204" pitchFamily="34" charset="0"/>
-              </a:rPr>
-              <a:t>uno a molti destinatari</a:t>
-            </a:r>
-            <a:r>
-              <a:rPr lang="it-IT" sz="2400" b="0" i="0" u="none" strike="noStrike" baseline="0" dirty="0">
-                <a:solidFill>
-                  <a:srgbClr val="000000"/>
-                </a:solidFill>
-                <a:latin typeface="Calibri" panose="020F0502020204030204" pitchFamily="34" charset="0"/>
-              </a:rPr>
-              <a:t>, il disaccoppiamento delle applicazioni e la scalabilità dei sistemi. Questo insieme di caratteristiche lo rendono estremamente adatto per tutti quegli ambienti dove le risorse disponibili e la larghezza di banda della rete sono limitate, oppure dove sono presenti dispositivi remoti dotati di poca memoria e scarsa capacità di calcolo.</a:t>
-            </a:r>
-          </a:p>
-          <a:p>
-            <a:endParaRPr lang="it-IT" sz="2400" b="1" i="0" u="none" strike="noStrike" baseline="0" dirty="0">
-              <a:solidFill>
-                <a:srgbClr val="000000"/>
-              </a:solidFill>
-              <a:latin typeface="Calibri" panose="020F0502020204030204" pitchFamily="34" charset="0"/>
-            </a:endParaRPr>
-          </a:p>
-          <a:p>
-            <a:r>
-              <a:rPr lang="it-IT" sz="2400" b="1" i="0" u="none" strike="noStrike" baseline="0" dirty="0">
-                <a:solidFill>
-                  <a:srgbClr val="000000"/>
-                </a:solidFill>
-                <a:latin typeface="Calibri" panose="020F0502020204030204" pitchFamily="34" charset="0"/>
-              </a:rPr>
-              <a:t>Il funzionamento tecnico del protocollo MQTT</a:t>
-            </a:r>
-            <a:endParaRPr lang="it-IT" sz="2400" b="0" i="0" u="none" strike="noStrike" baseline="0" dirty="0">
-              <a:solidFill>
-                <a:srgbClr val="000000"/>
-              </a:solidFill>
-              <a:latin typeface="Calibri" panose="020F0502020204030204" pitchFamily="34" charset="0"/>
-            </a:endParaRPr>
-          </a:p>
-          <a:p>
-            <a:r>
-              <a:rPr lang="it-IT" sz="2400" b="0" i="0" u="none" strike="noStrike" baseline="0" dirty="0">
-                <a:solidFill>
-                  <a:srgbClr val="000000"/>
-                </a:solidFill>
-                <a:latin typeface="Calibri" panose="020F0502020204030204" pitchFamily="34" charset="0"/>
-              </a:rPr>
-              <a:t>L’</a:t>
-            </a:r>
-            <a:r>
-              <a:rPr lang="it-IT" sz="2400" b="1" i="0" u="none" strike="noStrike" baseline="0" dirty="0" err="1">
-                <a:solidFill>
-                  <a:srgbClr val="000000"/>
-                </a:solidFill>
-                <a:latin typeface="Calibri" panose="020F0502020204030204" pitchFamily="34" charset="0"/>
-              </a:rPr>
-              <a:t>MQTT</a:t>
-            </a:r>
-            <a:r>
-              <a:rPr lang="it-IT" sz="2400" b="0" i="0" u="none" strike="noStrike" baseline="0" dirty="0" err="1">
-                <a:solidFill>
-                  <a:srgbClr val="000000"/>
-                </a:solidFill>
-                <a:latin typeface="Calibri" panose="020F0502020204030204" pitchFamily="34" charset="0"/>
-              </a:rPr>
-              <a:t>usa</a:t>
-            </a:r>
-            <a:r>
-              <a:rPr lang="it-IT" sz="2400" b="0" i="0" u="none" strike="noStrike" baseline="0" dirty="0">
-                <a:solidFill>
-                  <a:srgbClr val="000000"/>
-                </a:solidFill>
-                <a:latin typeface="Calibri" panose="020F0502020204030204" pitchFamily="34" charset="0"/>
-              </a:rPr>
-              <a:t> il paradigma di </a:t>
-            </a:r>
-            <a:r>
-              <a:rPr lang="it-IT" sz="2400" b="1" i="0" u="none" strike="noStrike" baseline="0" dirty="0">
-                <a:solidFill>
-                  <a:srgbClr val="000000"/>
-                </a:solidFill>
-                <a:latin typeface="Calibri" panose="020F0502020204030204" pitchFamily="34" charset="0"/>
-              </a:rPr>
-              <a:t>pub/sub </a:t>
-            </a:r>
-            <a:r>
-              <a:rPr lang="it-IT" sz="2400" b="0" i="0" u="none" strike="noStrike" baseline="0" dirty="0">
-                <a:solidFill>
-                  <a:srgbClr val="000000"/>
-                </a:solidFill>
-                <a:latin typeface="Calibri" panose="020F0502020204030204" pitchFamily="34" charset="0"/>
-              </a:rPr>
-              <a:t>che è </a:t>
-            </a:r>
-            <a:r>
-              <a:rPr lang="it-IT" sz="2400" b="1" i="0" u="none" strike="noStrike" baseline="0" dirty="0">
-                <a:solidFill>
-                  <a:srgbClr val="000000"/>
-                </a:solidFill>
-                <a:latin typeface="Calibri" panose="020F0502020204030204" pitchFamily="34" charset="0"/>
-              </a:rPr>
-              <a:t>asincrono</a:t>
-            </a:r>
-            <a:r>
-              <a:rPr lang="it-IT" sz="2400" b="0" i="0" u="none" strike="noStrike" baseline="0" dirty="0">
-                <a:solidFill>
-                  <a:srgbClr val="000000"/>
-                </a:solidFill>
-                <a:latin typeface="Calibri" panose="020F0502020204030204" pitchFamily="34" charset="0"/>
-              </a:rPr>
-              <a:t>.</a:t>
-            </a:r>
-          </a:p>
-          <a:p>
-            <a:endParaRPr lang="it-IT" sz="2400" b="0" i="0" u="none" strike="noStrike" baseline="0" dirty="0">
-              <a:latin typeface="Calibri" panose="020F0502020204030204" pitchFamily="34" charset="0"/>
-            </a:endParaRPr>
-          </a:p>
-          <a:p>
-            <a:r>
-              <a:rPr lang="it-IT" sz="2400" b="0" i="0" u="none" strike="noStrike" baseline="0" dirty="0">
-                <a:latin typeface="Calibri" panose="020F0502020204030204" pitchFamily="34" charset="0"/>
-              </a:rPr>
-              <a:t>L’</a:t>
-            </a:r>
-            <a:r>
-              <a:rPr lang="it-IT" sz="2400" b="0" i="1" u="none" strike="noStrike" baseline="0" dirty="0">
-                <a:latin typeface="Calibri" panose="020F0502020204030204" pitchFamily="34" charset="0"/>
-              </a:rPr>
-              <a:t>MQTT </a:t>
-            </a:r>
-            <a:r>
-              <a:rPr lang="it-IT" sz="2400" b="0" i="0" u="none" strike="noStrike" baseline="0" dirty="0">
-                <a:latin typeface="Calibri" panose="020F0502020204030204" pitchFamily="34" charset="0"/>
-              </a:rPr>
-              <a:t>prevede lo scambio di messaggi tramite un apposito </a:t>
-            </a:r>
-            <a:r>
-              <a:rPr lang="it-IT" sz="2400" b="1" i="0" u="none" strike="noStrike" baseline="0" dirty="0">
-                <a:latin typeface="Calibri" panose="020F0502020204030204" pitchFamily="34" charset="0"/>
-              </a:rPr>
-              <a:t>Broker</a:t>
-            </a:r>
-            <a:r>
-              <a:rPr lang="it-IT" sz="2400" b="0" i="0" u="none" strike="noStrike" baseline="0" dirty="0">
-                <a:latin typeface="Calibri" panose="020F0502020204030204" pitchFamily="34" charset="0"/>
-              </a:rPr>
-              <a:t>. Un </a:t>
-            </a:r>
-            <a:r>
-              <a:rPr lang="it-IT" sz="2400" b="1" i="0" u="none" strike="noStrike" baseline="0" dirty="0">
-                <a:latin typeface="Calibri" panose="020F0502020204030204" pitchFamily="34" charset="0"/>
-              </a:rPr>
-              <a:t>broker MQTT </a:t>
-            </a:r>
-            <a:r>
-              <a:rPr lang="it-IT" sz="2400" b="0" i="0" u="none" strike="noStrike" baseline="0" dirty="0">
-                <a:latin typeface="Calibri" panose="020F0502020204030204" pitchFamily="34" charset="0"/>
-              </a:rPr>
-              <a:t>non è altro che un software, che si occupa di ricevere i messaggi dai produttori degli stessi e renderli disponibili verso gli utilizzatori. Il </a:t>
-            </a:r>
-            <a:r>
-              <a:rPr lang="it-IT" sz="2400" b="1" i="0" u="none" strike="noStrike" baseline="0" dirty="0">
-                <a:latin typeface="Calibri" panose="020F0502020204030204" pitchFamily="34" charset="0"/>
-              </a:rPr>
-              <a:t>broker</a:t>
-            </a:r>
-            <a:r>
-              <a:rPr lang="it-IT" sz="2400" b="0" i="0" u="none" strike="noStrike" baseline="0" dirty="0">
-                <a:latin typeface="Calibri" panose="020F0502020204030204" pitchFamily="34" charset="0"/>
-              </a:rPr>
-              <a:t>, dunque, si occupa di consegnare il messaggio soltanto per i </a:t>
-            </a:r>
-            <a:r>
-              <a:rPr lang="it-IT" sz="2400" b="1" i="0" u="none" strike="noStrike" baseline="0" dirty="0" err="1">
-                <a:solidFill>
-                  <a:srgbClr val="2D74B5"/>
-                </a:solidFill>
-                <a:latin typeface="Calibri" panose="020F0502020204030204" pitchFamily="34" charset="0"/>
-              </a:rPr>
-              <a:t>topics</a:t>
-            </a:r>
-            <a:r>
-              <a:rPr lang="it-IT" sz="2400" b="1" i="0" u="none" strike="noStrike" baseline="0" dirty="0">
-                <a:solidFill>
-                  <a:srgbClr val="2D74B5"/>
-                </a:solidFill>
-                <a:latin typeface="Calibri" panose="020F0502020204030204" pitchFamily="34" charset="0"/>
-              </a:rPr>
-              <a:t> </a:t>
-            </a:r>
-            <a:r>
-              <a:rPr lang="it-IT" sz="2400" b="0" i="0" u="none" strike="noStrike" baseline="0" dirty="0">
-                <a:solidFill>
-                  <a:srgbClr val="000000"/>
-                </a:solidFill>
-                <a:latin typeface="Calibri" panose="020F0502020204030204" pitchFamily="34" charset="0"/>
-              </a:rPr>
-              <a:t>(ovvero gli argomenti) sottoscritti dal ricevente.</a:t>
-            </a:r>
-          </a:p>
-          <a:p>
-            <a:endParaRPr lang="it-IT" sz="2400" b="0" i="0" u="none" strike="noStrike" baseline="0" dirty="0">
-              <a:solidFill>
-                <a:srgbClr val="000000"/>
-              </a:solidFill>
-              <a:latin typeface="Garamond" panose="02020404030301010803" pitchFamily="18" charset="0"/>
-            </a:endParaRPr>
-          </a:p>
-          <a:p>
             <a:endParaRPr lang="it-IT" dirty="0"/>
           </a:p>
         </p:txBody>
@@ -1351,90 +828,6 @@
           <a:bodyPr/>
           <a:lstStyle/>
           <a:p>
-            <a:r>
-              <a:rPr lang="it-IT" sz="1800" b="0" i="0" u="none" strike="noStrike" baseline="0" dirty="0">
-                <a:solidFill>
-                  <a:srgbClr val="000000"/>
-                </a:solidFill>
-                <a:latin typeface="Garamond" panose="02020404030301010803" pitchFamily="18" charset="0"/>
-              </a:rPr>
-              <a:t>In </a:t>
-            </a:r>
-            <a:r>
-              <a:rPr lang="it-IT" sz="1800" b="0" i="0" u="none" strike="noStrike" baseline="0" dirty="0" err="1">
-                <a:solidFill>
-                  <a:srgbClr val="000000"/>
-                </a:solidFill>
-                <a:latin typeface="Garamond" panose="02020404030301010803" pitchFamily="18" charset="0"/>
-              </a:rPr>
-              <a:t>PassChain</a:t>
-            </a:r>
-            <a:r>
-              <a:rPr lang="it-IT" sz="1800" b="0" i="0" u="none" strike="noStrike" baseline="0" dirty="0">
-                <a:solidFill>
-                  <a:srgbClr val="000000"/>
-                </a:solidFill>
-                <a:latin typeface="Garamond" panose="02020404030301010803" pitchFamily="18" charset="0"/>
-              </a:rPr>
-              <a:t> abbiamo utilizzato come broker per il protocollo MQTT, </a:t>
-            </a:r>
-            <a:r>
-              <a:rPr lang="it-IT" sz="1800" b="0" i="0" u="none" strike="noStrike" baseline="0" dirty="0" err="1">
-                <a:solidFill>
-                  <a:srgbClr val="000000"/>
-                </a:solidFill>
-                <a:latin typeface="Garamond" panose="02020404030301010803" pitchFamily="18" charset="0"/>
-              </a:rPr>
-              <a:t>mosquitto</a:t>
-            </a:r>
-            <a:r>
-              <a:rPr lang="it-IT" sz="1800" b="0" i="0" u="none" strike="noStrike" baseline="0" dirty="0">
-                <a:solidFill>
-                  <a:srgbClr val="000000"/>
-                </a:solidFill>
-                <a:latin typeface="Garamond" panose="02020404030301010803" pitchFamily="18" charset="0"/>
-              </a:rPr>
-              <a:t>.</a:t>
-            </a:r>
-          </a:p>
-          <a:p>
-            <a:endParaRPr lang="it-IT" sz="1800" b="0" i="0" u="none" strike="noStrike" baseline="0" dirty="0">
-              <a:solidFill>
-                <a:srgbClr val="000000"/>
-              </a:solidFill>
-              <a:latin typeface="Garamond" panose="02020404030301010803" pitchFamily="18" charset="0"/>
-            </a:endParaRPr>
-          </a:p>
-          <a:p>
-            <a:r>
-              <a:rPr lang="it-IT" sz="1800" b="0" i="0" u="none" strike="noStrike" baseline="0" dirty="0">
-                <a:solidFill>
-                  <a:srgbClr val="000000"/>
-                </a:solidFill>
-                <a:latin typeface="Garamond" panose="02020404030301010803" pitchFamily="18" charset="0"/>
-              </a:rPr>
-              <a:t>Nel nostro progetto sono stati utilizzati i seguenti </a:t>
-            </a:r>
-            <a:r>
-              <a:rPr lang="it-IT" sz="1800" b="0" i="0" u="none" strike="noStrike" baseline="0" dirty="0" err="1">
-                <a:solidFill>
-                  <a:srgbClr val="000000"/>
-                </a:solidFill>
-                <a:latin typeface="Garamond" panose="02020404030301010803" pitchFamily="18" charset="0"/>
-              </a:rPr>
-              <a:t>Topic</a:t>
-            </a:r>
-            <a:r>
-              <a:rPr lang="it-IT" sz="1800" b="0" i="0" u="none" strike="noStrike" baseline="0" dirty="0">
-                <a:solidFill>
-                  <a:srgbClr val="000000"/>
-                </a:solidFill>
-                <a:latin typeface="Garamond" panose="02020404030301010803" pitchFamily="18" charset="0"/>
-              </a:rPr>
-              <a:t>:</a:t>
-            </a:r>
-          </a:p>
-          <a:p>
             <a:endParaRPr lang="it-IT" sz="1800" b="0" i="0" u="none" strike="noStrike" baseline="0" dirty="0">
               <a:solidFill>
                 <a:srgbClr val="000000"/>
@@ -1506,53 +899,6 @@
           <a:bodyPr/>
           <a:lstStyle/>
           <a:p>
-            <a:r>
-              <a:rPr lang="it-IT" sz="1800" b="0" i="0" u="none" strike="noStrike" baseline="0" dirty="0">
-                <a:solidFill>
-                  <a:srgbClr val="000000"/>
-                </a:solidFill>
-                <a:latin typeface="Garamond" panose="02020404030301010803" pitchFamily="18" charset="0"/>
-              </a:rPr>
-              <a:t>In </a:t>
-            </a:r>
-            <a:r>
-              <a:rPr lang="it-IT" sz="1800" b="0" i="0" u="none" strike="noStrike" baseline="0" dirty="0" err="1">
-                <a:solidFill>
-                  <a:srgbClr val="000000"/>
-                </a:solidFill>
-                <a:latin typeface="Garamond" panose="02020404030301010803" pitchFamily="18" charset="0"/>
-              </a:rPr>
-              <a:t>PassChain</a:t>
-            </a:r>
-            <a:r>
-              <a:rPr lang="it-IT" sz="1800" b="0" i="0" u="none" strike="noStrike" baseline="0" dirty="0">
-                <a:solidFill>
-                  <a:srgbClr val="000000"/>
-                </a:solidFill>
-                <a:latin typeface="Garamond" panose="02020404030301010803" pitchFamily="18" charset="0"/>
-              </a:rPr>
-              <a:t> abbiamo utilizzato come broker per il protocollo MQTT, </a:t>
-            </a:r>
-            <a:r>
-              <a:rPr lang="it-IT" sz="1800" b="0" i="0" u="none" strike="noStrike" baseline="0" dirty="0" err="1">
-                <a:solidFill>
-                  <a:srgbClr val="000000"/>
-                </a:solidFill>
-                <a:latin typeface="Garamond" panose="02020404030301010803" pitchFamily="18" charset="0"/>
-              </a:rPr>
-              <a:t>mosquitto</a:t>
-            </a:r>
-            <a:r>
-              <a:rPr lang="it-IT" sz="1800" b="0" i="0" u="none" strike="noStrike" baseline="0" dirty="0">
-                <a:solidFill>
-                  <a:srgbClr val="000000"/>
-                </a:solidFill>
-                <a:latin typeface="Garamond" panose="02020404030301010803" pitchFamily="18" charset="0"/>
-              </a:rPr>
-              <a:t>.</a:t>
-            </a:r>
-          </a:p>
-          <a:p>
             <a:endParaRPr lang="it-IT" sz="1800" b="0" i="0" u="none" strike="noStrike" baseline="0" dirty="0">
               <a:solidFill>
                 <a:srgbClr val="000000"/>
@@ -1683,7 +1029,7 @@
     </p:spTree>
     <p:extLst>
       <p:ext uri="{BB962C8B-B14F-4D97-AF65-F5344CB8AC3E}">
-        <p14:creationId xmlns:p14="http://schemas.microsoft.com/office/powerpoint/2010/main" val="3592234389"/>
+        <p14:creationId xmlns:p14="http://schemas.microsoft.com/office/powerpoint/2010/main" val="2979538248"/>
       </p:ext>
     </p:extLst>
   </p:cSld>
@@ -1754,7 +1100,78 @@
     </p:spTree>
     <p:extLst>
       <p:ext uri="{BB962C8B-B14F-4D97-AF65-F5344CB8AC3E}">
-        <p14:creationId xmlns:p14="http://schemas.microsoft.com/office/powerpoint/2010/main" val="365126655"/>
+        <p14:creationId xmlns:p14="http://schemas.microsoft.com/office/powerpoint/2010/main" val="3416383473"/>
+      </p:ext>
+    </p:extLst>
+  </p:cSld>
+  <p:clrMapOvr>
+    <a:masterClrMapping/>
+  </p:clrMapOvr>
+</p:notes>
+</file>
+
+<file path=ppt/notesSlides/notesSlide9.xml><?xml version="1.0" encoding="utf-8"?>
+<p:notes xmlns:a="http://schemas.openxmlformats.org/drawingml/2006/main" xmlns:r="http://schemas.openxmlformats.org/officeDocument/2006/relationships" xmlns:p="http://schemas.openxmlformats.org/presentationml/2006/main">
+  <p:cSld>
+    <p:spTree>
+      <p:nvGrpSpPr>
+        <p:cNvPr id="1" name=""/>
+        <p:cNvGrpSpPr/>
+        <p:nvPr/>
+      </p:nvGrpSpPr>
+      <p:grpSpPr>
+        <a:xfrm>
+          <a:off x="0" y="0"/>
+          <a:ext cx="0" cy="0"/>
+          <a:chOff x="0" y="0"/>
+          <a:chExt cx="0" cy="0"/>
+        </a:xfrm>
+      </p:grpSpPr>
+      <p:sp>
+        <p:nvSpPr>
+          <p:cNvPr id="2" name="Segnaposto immagine diapositiva 1"/>
+          <p:cNvSpPr>
+            <a:spLocks noGrp="1" noRot="1" noChangeAspect="1"/>
+          </p:cNvSpPr>
+          <p:nvPr>
+            <p:ph type="sldImg"/>
+          </p:nvPr>
+        </p:nvSpPr>
+        <p:spPr>
+          <a:xfrm>
+            <a:off x="381000" y="685800"/>
+            <a:ext cx="6096000" cy="3429000"/>
+          </a:xfrm>
+        </p:spPr>
+      </p:sp>
+      <p:sp>
+        <p:nvSpPr>
+          <p:cNvPr id="3" name="Segnaposto note 2"/>
+          <p:cNvSpPr>
+            <a:spLocks noGrp="1"/>
+          </p:cNvSpPr>
+          <p:nvPr>
+            <p:ph type="body" idx="1"/>
+          </p:nvPr>
+        </p:nvSpPr>
+        <p:spPr/>
+        <p:txBody>
+          <a:bodyPr/>
+          <a:lstStyle/>
+          <a:p>
+            <a:endParaRPr lang="it-IT" sz="1800" b="0" i="0" u="none" strike="noStrike" baseline="0" dirty="0">
+              <a:solidFill>
+                <a:srgbClr val="000000"/>
+              </a:solidFill>
+              <a:latin typeface="Garamond" panose="02020404030301010803" pitchFamily="18" charset="0"/>
+            </a:endParaRPr>
+          </a:p>
+        </p:txBody>
+      </p:sp>
+    </p:spTree>
+    <p:extLst>
+      <p:ext uri="{BB962C8B-B14F-4D97-AF65-F5344CB8AC3E}">
+        <p14:creationId xmlns:p14="http://schemas.microsoft.com/office/powerpoint/2010/main" val="767752643"/>
       </p:ext>
     </p:extLst>
   </p:cSld>
@@ -4022,7 +3439,7 @@
           </a:ln>
           <a:extLst>
             <a:ext uri="{C572A759-6A51-4108-AA02-DFA0A04FC94B}">
-              <ma14:wrappingTextBoxFlag xmlns:ma14="http://schemas.microsoft.com/office/mac/drawingml/2011/main" xmlns:a14="http://schemas.microsoft.com/office/drawing/2010/main" xmlns:m="http://schemas.openxmlformats.org/officeDocument/2006/math" xmlns="" val="1"/>
+              <ma14:wrappingTextBoxFlag xmlns="" xmlns:m="http://schemas.openxmlformats.org/officeDocument/2006/math" xmlns:a14="http://schemas.microsoft.com/office/drawing/2010/main" xmlns:ma14="http://schemas.microsoft.com/office/mac/drawingml/2011/main" val="1"/>
             </a:ext>
           </a:extLst>
         </p:spPr>
@@ -4061,7 +3478,7 @@
           </a:ln>
           <a:extLst>
             <a:ext uri="{C572A759-6A51-4108-AA02-DFA0A04FC94B}">
-              <ma14:wrappingTextBoxFlag xmlns:ma14="http://schemas.microsoft.com/office/mac/drawingml/2011/main" xmlns:a14="http://schemas.microsoft.com/office/drawing/2010/main" xmlns:m="http://schemas.openxmlformats.org/officeDocument/2006/math" xmlns="" val="1"/>
+              <ma14:wrappingTextBoxFlag xmlns="" xmlns:m="http://schemas.openxmlformats.org/officeDocument/2006/math" xmlns:a14="http://schemas.microsoft.com/office/drawing/2010/main" xmlns:ma14="http://schemas.microsoft.com/office/mac/drawingml/2011/main" val="1"/>
             </a:ext>
           </a:extLst>
         </p:spPr>
@@ -4917,7 +4334,7 @@
           </a:ln>
           <a:extLst>
             <a:ext uri="{C572A759-6A51-4108-AA02-DFA0A04FC94B}">
-              <ma14:wrappingTextBoxFlag xmlns:ma14="http://schemas.microsoft.com/office/mac/drawingml/2011/main" xmlns:a14="http://schemas.microsoft.com/office/drawing/2010/main" xmlns:m="http://schemas.openxmlformats.org/officeDocument/2006/math" xmlns="" val="1"/>
+              <ma14:wrappingTextBoxFlag xmlns="" xmlns:m="http://schemas.openxmlformats.org/officeDocument/2006/math" xmlns:a14="http://schemas.microsoft.com/office/drawing/2010/main" xmlns:ma14="http://schemas.microsoft.com/office/mac/drawingml/2011/main" val="1"/>
             </a:ext>
           </a:extLst>
         </p:spPr>
@@ -5049,7 +4466,7 @@
           </a:ln>
           <a:extLst>
             <a:ext uri="{C572A759-6A51-4108-AA02-DFA0A04FC94B}">
-              <ma14:wrappingTextBoxFlag xmlns:ma14="http://schemas.microsoft.com/office/mac/drawingml/2011/main" xmlns:a14="http://schemas.microsoft.com/office/drawing/2010/main" xmlns:m="http://schemas.openxmlformats.org/officeDocument/2006/math" xmlns="" val="1"/>
+              <ma14:wrappingTextBoxFlag xmlns="" xmlns:m="http://schemas.openxmlformats.org/officeDocument/2006/math" xmlns:a14="http://schemas.microsoft.com/office/drawing/2010/main" xmlns:ma14="http://schemas.microsoft.com/office/mac/drawingml/2011/main" val="1"/>
             </a:ext>
           </a:extLst>
         </p:spPr>
@@ -5078,6 +4495,330 @@
         </p:txBody>
       </p:sp>
     </p:spTree>
+  </p:cSld>
+  <p:clrMapOvr>
+    <a:masterClrMapping/>
+  </p:clrMapOvr>
+  <p:transition spd="med"/>
+</p:sld>
+</file>
+
+<file path=ppt/slides/slide10.xml><?xml version="1.0" encoding="utf-8"?>
+<p:sld xmlns:a="http://schemas.openxmlformats.org/drawingml/2006/main" xmlns:r="http://schemas.openxmlformats.org/officeDocument/2006/relationships" xmlns:p="http://schemas.openxmlformats.org/presentationml/2006/main">
+  <p:cSld>
+    <p:bg>
+      <p:bgPr>
+        <a:blipFill rotWithShape="1">
+          <a:blip r:embed="rId3"/>
+          <a:srcRect/>
+          <a:stretch>
+            <a:fillRect/>
+          </a:stretch>
+        </a:blipFill>
+        <a:effectLst/>
+      </p:bgPr>
+    </p:bg>
+    <p:spTree>
+      <p:nvGrpSpPr>
+        <p:cNvPr id="1" name=""/>
+        <p:cNvGrpSpPr/>
+        <p:nvPr/>
+      </p:nvGrpSpPr>
+      <p:grpSpPr>
+        <a:xfrm>
+          <a:off x="0" y="0"/>
+          <a:ext cx="0" cy="0"/>
+          <a:chOff x="0" y="0"/>
+          <a:chExt cx="0" cy="0"/>
+        </a:xfrm>
+      </p:grpSpPr>
+      <p:pic>
+        <p:nvPicPr>
+          <p:cNvPr id="8" name="LCDdisplay.png" descr="LCDdisplay.png">
+            <a:extLst>
+              <a:ext uri="{FF2B5EF4-FFF2-40B4-BE49-F238E27FC236}">
+                <a16:creationId xmlns:a16="http://schemas.microsoft.com/office/drawing/2014/main" id="{C3EC6F30-000B-C536-E44C-464D70D6B824}"/>
+              </a:ext>
+            </a:extLst>
+          </p:cNvPr>
+          <p:cNvPicPr>
+            <a:picLocks noChangeAspect="1"/>
+          </p:cNvPicPr>
+          <p:nvPr/>
+        </p:nvPicPr>
+        <p:blipFill>
+          <a:blip r:embed="rId4"/>
+          <a:stretch>
+            <a:fillRect/>
+          </a:stretch>
+        </p:blipFill>
+        <p:spPr>
+          <a:xfrm>
+            <a:off x="2655996" y="2881315"/>
+            <a:ext cx="19072007" cy="10446648"/>
+          </a:xfrm>
+          <a:prstGeom prst="rect">
+            <a:avLst/>
+          </a:prstGeom>
+          <a:ln w="12700">
+            <a:miter lim="400000"/>
+          </a:ln>
+        </p:spPr>
+      </p:pic>
+      <p:sp>
+        <p:nvSpPr>
+          <p:cNvPr id="155" name="Titolo della Slide"/>
+          <p:cNvSpPr txBox="1">
+            <a:spLocks noGrp="1"/>
+          </p:cNvSpPr>
+          <p:nvPr>
+            <p:ph type="title" idx="4294967295"/>
+          </p:nvPr>
+        </p:nvSpPr>
+        <p:spPr>
+          <a:xfrm>
+            <a:off x="1422926" y="478316"/>
+            <a:ext cx="21538148" cy="1275839"/>
+          </a:xfrm>
+          <a:prstGeom prst="rect">
+            <a:avLst/>
+          </a:prstGeom>
+        </p:spPr>
+        <p:txBody>
+          <a:bodyPr/>
+          <a:lstStyle>
+            <a:lvl1pPr>
+              <a:defRPr b="0">
+                <a:solidFill>
+                  <a:srgbClr val="28ABE0"/>
+                </a:solidFill>
+                <a:latin typeface="JetBrains Mono Bold"/>
+                <a:ea typeface="JetBrains Mono Bold"/>
+                <a:cs typeface="JetBrains Mono Bold"/>
+                <a:sym typeface="JetBrains Mono Bold"/>
+              </a:defRPr>
+            </a:lvl1pPr>
+          </a:lstStyle>
+          <a:p>
+            <a:r>
+              <a:rPr lang="it-IT" dirty="0"/>
+              <a:t>MQTT: codice Java</a:t>
+            </a:r>
+            <a:endParaRPr dirty="0"/>
+          </a:p>
+        </p:txBody>
+      </p:sp>
+      <p:sp>
+        <p:nvSpPr>
+          <p:cNvPr id="14" name="CasellaDiTesto 13">
+            <a:extLst>
+              <a:ext uri="{FF2B5EF4-FFF2-40B4-BE49-F238E27FC236}">
+                <a16:creationId xmlns:a16="http://schemas.microsoft.com/office/drawing/2014/main" id="{A039A89A-8AC2-8910-BECD-1F89F04C8FC1}"/>
+              </a:ext>
+            </a:extLst>
+          </p:cNvPr>
+          <p:cNvSpPr txBox="1"/>
+          <p:nvPr/>
+        </p:nvSpPr>
+        <p:spPr>
+          <a:xfrm>
+            <a:off x="1395958" y="1605476"/>
+            <a:ext cx="20776313" cy="707886"/>
+          </a:xfrm>
+          <a:prstGeom prst="rect">
+            <a:avLst/>
+          </a:prstGeom>
+          <a:noFill/>
+          <a:ln w="12700" cap="flat">
+            <a:noFill/>
+            <a:miter lim="400000"/>
+          </a:ln>
+          <a:effectLst/>
+          <a:sp3d/>
+        </p:spPr>
+        <p:style>
+          <a:lnRef idx="0">
+            <a:scrgbClr r="0" g="0" b="0"/>
+          </a:lnRef>
+          <a:fillRef idx="0">
+            <a:scrgbClr r="0" g="0" b="0"/>
+          </a:fillRef>
+          <a:effectRef idx="0">
+            <a:scrgbClr r="0" g="0" b="0"/>
+          </a:effectRef>
+          <a:fontRef idx="none"/>
+        </p:style>
+        <p:txBody>
+          <a:bodyPr wrap="square">
+            <a:spAutoFit/>
+          </a:bodyPr>
+          <a:lstStyle/>
+          <a:p>
+            <a:pPr marL="0" marR="0" lvl="0" indent="0" algn="l" defTabSz="2438338" rtl="0" eaLnBrk="1" fontAlgn="auto" latinLnBrk="0" hangingPunct="0">
+              <a:lnSpc>
+                <a:spcPct val="100000"/>
+              </a:lnSpc>
+              <a:spcBef>
+                <a:spcPts val="0"/>
+              </a:spcBef>
+              <a:spcAft>
+                <a:spcPts val="0"/>
+              </a:spcAft>
+              <a:buClrTx/>
+              <a:buSzTx/>
+              <a:buFontTx/>
+              <a:buNone/>
+              <a:tabLst/>
+              <a:defRPr/>
+            </a:pPr>
+            <a:r>
+              <a:rPr kumimoji="0" lang="it-IT" sz="4000" b="0" i="0" u="none" strike="noStrike" kern="0" cap="none" spc="0" normalizeH="0" baseline="0" noProof="0" dirty="0">
+                <a:ln>
+                  <a:noFill/>
+                </a:ln>
+                <a:solidFill>
+                  <a:srgbClr val="5E5E5E"/>
+                </a:solidFill>
+                <a:effectLst/>
+                <a:uLnTx/>
+                <a:uFillTx/>
+                <a:latin typeface="JetBrains Mono Regular"/>
+                <a:sym typeface="Helvetica Neue"/>
+              </a:rPr>
+              <a:t>Setup MQTT in </a:t>
+            </a:r>
+            <a:r>
+              <a:rPr lang="it-IT" sz="4000" b="1" dirty="0">
+                <a:solidFill>
+                  <a:schemeClr val="accent1">
+                    <a:lumMod val="75000"/>
+                  </a:schemeClr>
+                </a:solidFill>
+                <a:latin typeface="JetBrains Mono Regular"/>
+              </a:rPr>
+              <a:t>GUI Java</a:t>
+            </a:r>
+            <a:r>
+              <a:rPr kumimoji="0" lang="it-IT" sz="4000" b="0" i="0" u="none" strike="noStrike" kern="0" cap="none" spc="0" normalizeH="0" baseline="0" noProof="0" dirty="0">
+                <a:ln>
+                  <a:noFill/>
+                </a:ln>
+                <a:solidFill>
+                  <a:srgbClr val="5E5E5E"/>
+                </a:solidFill>
+                <a:effectLst/>
+                <a:uLnTx/>
+                <a:uFillTx/>
+                <a:latin typeface="JetBrains Mono Regular"/>
+                <a:sym typeface="Helvetica Neue"/>
+              </a:rPr>
+              <a:t>:</a:t>
+            </a:r>
+          </a:p>
+        </p:txBody>
+      </p:sp>
+      <p:sp>
+        <p:nvSpPr>
+          <p:cNvPr id="26" name="CasellaDiTesto 25">
+            <a:extLst>
+              <a:ext uri="{FF2B5EF4-FFF2-40B4-BE49-F238E27FC236}">
+                <a16:creationId xmlns:a16="http://schemas.microsoft.com/office/drawing/2014/main" id="{F2F3C524-CF53-5770-EADE-7652B60480A9}"/>
+              </a:ext>
+            </a:extLst>
+          </p:cNvPr>
+          <p:cNvSpPr txBox="1"/>
+          <p:nvPr/>
+        </p:nvSpPr>
+        <p:spPr>
+          <a:xfrm>
+            <a:off x="9097413" y="2260553"/>
+            <a:ext cx="5373404" cy="584775"/>
+          </a:xfrm>
+          <a:prstGeom prst="rect">
+            <a:avLst/>
+          </a:prstGeom>
+          <a:noFill/>
+          <a:ln w="12700" cap="flat">
+            <a:noFill/>
+            <a:miter lim="400000"/>
+          </a:ln>
+          <a:effectLst/>
+          <a:sp3d/>
+        </p:spPr>
+        <p:style>
+          <a:lnRef idx="0">
+            <a:scrgbClr r="0" g="0" b="0"/>
+          </a:lnRef>
+          <a:fillRef idx="0">
+            <a:scrgbClr r="0" g="0" b="0"/>
+          </a:fillRef>
+          <a:effectRef idx="0">
+            <a:scrgbClr r="0" g="0" b="0"/>
+          </a:effectRef>
+          <a:fontRef idx="none"/>
+        </p:style>
+        <p:txBody>
+          <a:bodyPr wrap="square">
+            <a:spAutoFit/>
+          </a:bodyPr>
+          <a:lstStyle/>
+          <a:p>
+            <a:r>
+              <a:rPr lang="it-IT" sz="3200" b="1" dirty="0">
+                <a:solidFill>
+                  <a:schemeClr val="accent1">
+                    <a:lumMod val="75000"/>
+                  </a:schemeClr>
+                </a:solidFill>
+                <a:latin typeface="JetBrains Mono Regular"/>
+              </a:rPr>
+              <a:t>MQTT_connection.java</a:t>
+            </a:r>
+            <a:endParaRPr lang="it-IT" sz="3200" b="1" dirty="0">
+              <a:solidFill>
+                <a:schemeClr val="accent1">
+                  <a:lumMod val="75000"/>
+                </a:schemeClr>
+              </a:solidFill>
+            </a:endParaRPr>
+          </a:p>
+        </p:txBody>
+      </p:sp>
+      <p:pic>
+        <p:nvPicPr>
+          <p:cNvPr id="9" name="Immagine 8">
+            <a:extLst>
+              <a:ext uri="{FF2B5EF4-FFF2-40B4-BE49-F238E27FC236}">
+                <a16:creationId xmlns:a16="http://schemas.microsoft.com/office/drawing/2014/main" id="{6A2E4369-68AB-75F0-482C-77D89F432D80}"/>
+              </a:ext>
+            </a:extLst>
+          </p:cNvPr>
+          <p:cNvPicPr>
+            <a:picLocks noChangeAspect="1"/>
+          </p:cNvPicPr>
+          <p:nvPr/>
+        </p:nvPicPr>
+        <p:blipFill rotWithShape="1">
+          <a:blip r:embed="rId5"/>
+          <a:srcRect t="21211" b="-1356"/>
+          <a:stretch/>
+        </p:blipFill>
+        <p:spPr>
+          <a:xfrm>
+            <a:off x="5354111" y="4663249"/>
+            <a:ext cx="13675777" cy="7447275"/>
+          </a:xfrm>
+          <a:prstGeom prst="rect">
+            <a:avLst/>
+          </a:prstGeom>
+        </p:spPr>
+      </p:pic>
+    </p:spTree>
+    <p:extLst>
+      <p:ext uri="{BB962C8B-B14F-4D97-AF65-F5344CB8AC3E}">
+        <p14:creationId xmlns:p14="http://schemas.microsoft.com/office/powerpoint/2010/main" val="1336841214"/>
+      </p:ext>
+    </p:extLst>
   </p:cSld>
   <p:clrMapOvr>
     <a:masterClrMapping/>
@@ -5151,14 +4892,26 @@
           </a:lstStyle>
           <a:p>
             <a:r>
-              <a:rPr lang="it-IT" dirty="0" err="1"/>
+              <a:rPr lang="it-IT" dirty="0" err="1">
+                <a:latin typeface="JetBrains Mono Bold" panose="02000009000000000000" pitchFamily="49" charset="0"/>
+                <a:ea typeface="JetBrains Mono Bold" panose="02000009000000000000" pitchFamily="49" charset="0"/>
+                <a:cs typeface="JetBrains Mono Bold" panose="02000009000000000000" pitchFamily="49" charset="0"/>
+              </a:rPr>
               <a:t>PassChain</a:t>
             </a:r>
             <a:r>
-              <a:rPr lang="it-IT" dirty="0"/>
+              <a:rPr lang="it-IT" dirty="0">
+                <a:latin typeface="JetBrains Mono Bold" panose="02000009000000000000" pitchFamily="49" charset="0"/>
+                <a:ea typeface="JetBrains Mono Bold" panose="02000009000000000000" pitchFamily="49" charset="0"/>
+                <a:cs typeface="JetBrains Mono Bold" panose="02000009000000000000" pitchFamily="49" charset="0"/>
+              </a:rPr>
               <a:t>: IoT</a:t>
             </a:r>
-            <a:endParaRPr dirty="0"/>
+            <a:endParaRPr dirty="0">
+              <a:latin typeface="JetBrains Mono Bold" panose="02000009000000000000" pitchFamily="49" charset="0"/>
+              <a:ea typeface="JetBrains Mono Bold" panose="02000009000000000000" pitchFamily="49" charset="0"/>
+              <a:cs typeface="JetBrains Mono Bold" panose="02000009000000000000" pitchFamily="49" charset="0"/>
+            </a:endParaRPr>
           </a:p>
         </p:txBody>
       </p:sp>
@@ -5248,8 +5001,8 @@
         </p:nvSpPr>
         <p:spPr>
           <a:xfrm>
-            <a:off x="10250154" y="9960871"/>
-            <a:ext cx="12523882" cy="2585323"/>
+            <a:off x="9865064" y="10225310"/>
+            <a:ext cx="13096010" cy="2800767"/>
           </a:xfrm>
           <a:prstGeom prst="rect">
             <a:avLst/>
@@ -5298,7 +5051,7 @@
               <a:defRPr/>
             </a:pPr>
             <a:r>
-              <a:rPr lang="it-IT" sz="5400" dirty="0">
+              <a:rPr lang="it-IT" sz="4400" dirty="0">
                 <a:solidFill>
                   <a:srgbClr val="0070C0"/>
                 </a:solidFill>
@@ -5307,7 +5060,7 @@
               <a:t>Con l</a:t>
             </a:r>
             <a:r>
-              <a:rPr kumimoji="0" lang="it-IT" sz="5400" b="0" i="0" u="none" strike="noStrike" kern="0" cap="none" spc="0" normalizeH="0" baseline="0" noProof="0" dirty="0">
+              <a:rPr kumimoji="0" lang="it-IT" sz="4400" b="0" i="0" u="none" strike="noStrike" kern="0" cap="none" spc="0" normalizeH="0" baseline="0" noProof="0" dirty="0">
                 <a:ln>
                   <a:noFill/>
                 </a:ln>
@@ -5323,7 +5076,7 @@
               <a:t>'acronimo IoT </a:t>
             </a:r>
             <a:r>
-              <a:rPr kumimoji="0" lang="it-IT" sz="5400" b="0" i="0" u="none" strike="noStrike" kern="0" cap="none" spc="0" normalizeH="0" baseline="0" noProof="0" dirty="0">
+              <a:rPr kumimoji="0" lang="it-IT" sz="4400" b="0" i="0" u="none" strike="noStrike" kern="0" cap="none" spc="0" normalizeH="0" baseline="0" noProof="0" dirty="0">
                 <a:ln>
                   <a:noFill/>
                 </a:ln>
@@ -5356,7 +5109,7 @@
         <p:spPr>
           <a:xfrm>
             <a:off x="1896340" y="2507405"/>
-            <a:ext cx="12791210" cy="2308324"/>
+            <a:ext cx="13024944" cy="3046988"/>
           </a:xfrm>
           <a:prstGeom prst="rect">
             <a:avLst/>
@@ -5433,9 +5186,25 @@
                 <a:latin typeface="JetBrains Mono Regular"/>
                 <a:sym typeface="Helvetica Neue"/>
               </a:rPr>
-              <a:t>è il processo di connessione a Internet di oggetti fisici di utilizzo quotidiano.</a:t>
-            </a:r>
-            <a:endParaRPr lang="it-IT" dirty="0"/>
+              <a:t>è il processo di connessione a Internet di oggetti fisici di utilizzo quotidiano</a:t>
+            </a:r>
+            <a:r>
+              <a:rPr kumimoji="0" lang="it-IT" sz="4400" b="0" i="0" u="none" strike="noStrike" kern="0" cap="none" spc="0" normalizeH="0" baseline="0" noProof="0" dirty="0">
+                <a:ln>
+                  <a:noFill/>
+                </a:ln>
+                <a:solidFill>
+                  <a:srgbClr val="5E5E5E"/>
+                </a:solidFill>
+                <a:effectLst/>
+                <a:uLnTx/>
+                <a:uFillTx/>
+                <a:latin typeface="JetBrains Mono Regular"/>
+                <a:sym typeface="Helvetica Neue"/>
+              </a:rPr>
+              <a:t>.</a:t>
+            </a:r>
+            <a:endParaRPr lang="it-IT" sz="2000" dirty="0"/>
           </a:p>
         </p:txBody>
       </p:sp>
@@ -5453,8 +5222,8 @@
         </p:nvSpPr>
         <p:spPr>
           <a:xfrm>
-            <a:off x="1896340" y="2360437"/>
-            <a:ext cx="12791209" cy="2602259"/>
+            <a:off x="1825274" y="2088675"/>
+            <a:ext cx="13096010" cy="3638226"/>
           </a:xfrm>
           <a:prstGeom prst="rect">
             <a:avLst/>
@@ -5619,8 +5388,8 @@
         </p:nvSpPr>
         <p:spPr>
           <a:xfrm>
-            <a:off x="10454058" y="3673854"/>
-            <a:ext cx="11362587" cy="2585323"/>
+            <a:off x="9488332" y="3091914"/>
+            <a:ext cx="13472742" cy="2800767"/>
           </a:xfrm>
           <a:prstGeom prst="rect">
             <a:avLst/>
@@ -5651,7 +5420,7 @@
           </a:bodyPr>
           <a:lstStyle/>
           <a:p>
-            <a:pPr marL="0" marR="0" indent="0" algn="r" defTabSz="2438338" rtl="0" fontAlgn="auto" latinLnBrk="0" hangingPunct="0">
+            <a:pPr marL="0" marR="0" indent="0" defTabSz="2438338" rtl="0" fontAlgn="auto" latinLnBrk="0" hangingPunct="0">
               <a:lnSpc>
                 <a:spcPct val="100000"/>
               </a:lnSpc>
@@ -5668,13 +5437,13 @@
               <a:tabLst/>
             </a:pPr>
             <a:r>
-              <a:rPr lang="it-IT" sz="5400" dirty="0">
+              <a:rPr lang="it-IT" sz="4400" dirty="0">
                 <a:latin typeface="JetBrains Mono Regular"/>
               </a:rPr>
               <a:t>Un tipico </a:t>
             </a:r>
             <a:r>
-              <a:rPr lang="it-IT" sz="5400" b="1" dirty="0">
+              <a:rPr lang="it-IT" sz="4400" b="1" dirty="0">
                 <a:solidFill>
                   <a:srgbClr val="0070C0"/>
                 </a:solidFill>
@@ -5683,49 +5452,49 @@
               <a:t>sistema IoT </a:t>
             </a:r>
             <a:r>
-              <a:rPr lang="it-IT" sz="5400" dirty="0">
+              <a:rPr lang="it-IT" sz="4400" dirty="0">
                 <a:latin typeface="JetBrains Mono Regular"/>
               </a:rPr>
               <a:t>funziona grazie all'</a:t>
             </a:r>
             <a:r>
-              <a:rPr lang="it-IT" sz="5400" i="1" u="sng" dirty="0">
+              <a:rPr lang="it-IT" sz="4400" i="1" u="sng" dirty="0">
                 <a:latin typeface="JetBrains Mono Regular"/>
               </a:rPr>
               <a:t>invio</a:t>
             </a:r>
             <a:r>
-              <a:rPr lang="it-IT" sz="5400" dirty="0">
+              <a:rPr lang="it-IT" sz="4400" dirty="0">
                 <a:latin typeface="JetBrains Mono Regular"/>
               </a:rPr>
               <a:t>, alla </a:t>
             </a:r>
             <a:r>
-              <a:rPr lang="it-IT" sz="5400" i="1" u="sng" dirty="0">
+              <a:rPr lang="it-IT" sz="4400" i="1" u="sng" dirty="0">
                 <a:latin typeface="JetBrains Mono Regular"/>
               </a:rPr>
               <a:t>ricezione</a:t>
             </a:r>
             <a:r>
-              <a:rPr lang="it-IT" sz="5400" dirty="0">
+              <a:rPr lang="it-IT" sz="4400" dirty="0">
                 <a:latin typeface="JetBrains Mono Regular"/>
               </a:rPr>
               <a:t> e all'</a:t>
             </a:r>
             <a:r>
-              <a:rPr lang="it-IT" sz="5400" i="1" u="sng" dirty="0">
+              <a:rPr lang="it-IT" sz="4400" i="1" u="sng" dirty="0">
                 <a:latin typeface="JetBrains Mono Regular"/>
               </a:rPr>
               <a:t>analisi</a:t>
             </a:r>
             <a:r>
-              <a:rPr lang="it-IT" sz="5400" dirty="0">
+              <a:rPr lang="it-IT" sz="4400" dirty="0">
                 <a:latin typeface="JetBrains Mono Regular"/>
               </a:rPr>
               <a:t>  dei </a:t>
             </a:r>
             <a:r>
-              <a:rPr lang="it-IT" sz="5400" b="1" dirty="0">
+              <a:rPr lang="it-IT" sz="4400" b="1" dirty="0">
                 <a:solidFill>
                   <a:srgbClr val="0070C0"/>
                 </a:solidFill>
@@ -5734,7 +5503,7 @@
               <a:t>dati</a:t>
             </a:r>
             <a:r>
-              <a:rPr lang="it-IT" sz="5400" dirty="0">
+              <a:rPr lang="it-IT" sz="4400" dirty="0">
                 <a:latin typeface="JetBrains Mono Regular"/>
               </a:rPr>
               <a:t> in un ciclo continuo di feedback. </a:t>
@@ -5756,8 +5525,8 @@
         </p:nvSpPr>
         <p:spPr>
           <a:xfrm>
-            <a:off x="1422925" y="9788329"/>
-            <a:ext cx="20506167" cy="1569660"/>
+            <a:off x="1399483" y="9883111"/>
+            <a:ext cx="21561591" cy="1446550"/>
           </a:xfrm>
           <a:prstGeom prst="rect">
             <a:avLst/>
@@ -5805,7 +5574,7 @@
               <a:tabLst/>
             </a:pPr>
             <a:r>
-              <a:rPr lang="it-IT" sz="4800" dirty="0">
+              <a:rPr lang="it-IT" sz="4400" dirty="0">
                 <a:latin typeface="JetBrains Mono Regular"/>
               </a:rPr>
               <a:t>A seconda del tipo di sistema IoT, l'analisi può essere eseguita tramite intervento manuale o da tecnologie di: </a:t>
@@ -5930,7 +5699,7 @@
         <p:spPr>
           <a:xfrm>
             <a:off x="2527300" y="11461080"/>
-            <a:ext cx="4445000" cy="646331"/>
+            <a:ext cx="7169150" cy="646331"/>
           </a:xfrm>
           <a:prstGeom prst="rect">
             <a:avLst/>
@@ -6004,7 +5773,7 @@
         <p:spPr>
           <a:xfrm>
             <a:off x="2527299" y="12396373"/>
-            <a:ext cx="3593837" cy="646331"/>
+            <a:ext cx="4806951" cy="646331"/>
           </a:xfrm>
           <a:prstGeom prst="rect">
             <a:avLst/>
@@ -6082,8 +5851,8 @@
         </p:blipFill>
         <p:spPr>
           <a:xfrm>
-            <a:off x="15757262" y="6480835"/>
-            <a:ext cx="1981200" cy="1028699"/>
+            <a:off x="15178039" y="6344207"/>
+            <a:ext cx="2093328" cy="1086919"/>
           </a:xfrm>
           <a:prstGeom prst="rect">
             <a:avLst/>
@@ -6189,8 +5958,8 @@
         </p:nvSpPr>
         <p:spPr>
           <a:xfrm>
-            <a:off x="1422926" y="1754155"/>
-            <a:ext cx="16715409" cy="2318583"/>
+            <a:off x="1422926" y="1743702"/>
+            <a:ext cx="16715409" cy="2564805"/>
           </a:xfrm>
           <a:prstGeom prst="rect">
             <a:avLst/>
@@ -6238,13 +6007,13 @@
               <a:tabLst/>
             </a:pPr>
             <a:r>
-              <a:rPr lang="it-IT" sz="4800" dirty="0" err="1">
+              <a:rPr lang="it-IT" sz="4000" dirty="0" err="1">
                 <a:latin typeface="JetBrains Mono Regular"/>
               </a:rPr>
               <a:t>PassChain</a:t>
             </a:r>
             <a:r>
-              <a:rPr lang="it-IT" sz="4800" dirty="0">
+              <a:rPr lang="it-IT" sz="4000" dirty="0">
                 <a:latin typeface="JetBrains Mono Regular"/>
               </a:rPr>
               <a:t> ha come obiettivo quello di facilitare l’utente nell’autenticazione digitale ma anche di assicurare la sicurezza attraverso la sua funzione di password manager. </a:t>
@@ -6301,8 +6070,8 @@
         </p:nvSpPr>
         <p:spPr>
           <a:xfrm>
-            <a:off x="1422926" y="4940667"/>
-            <a:ext cx="14735869" cy="841256"/>
+            <a:off x="1422926" y="5002222"/>
+            <a:ext cx="14735869" cy="718145"/>
           </a:xfrm>
           <a:prstGeom prst="rect">
             <a:avLst/>
@@ -6350,19 +6119,19 @@
               <a:tabLst/>
             </a:pPr>
             <a:r>
-              <a:rPr lang="it-IT" sz="4800" dirty="0">
+              <a:rPr lang="it-IT" sz="4000" dirty="0">
                 <a:latin typeface="JetBrains Mono Regular"/>
               </a:rPr>
               <a:t>Tramite </a:t>
             </a:r>
             <a:r>
-              <a:rPr lang="it-IT" sz="4800" dirty="0" err="1">
+              <a:rPr lang="it-IT" sz="4000" dirty="0" err="1">
                 <a:latin typeface="JetBrains Mono Regular"/>
               </a:rPr>
               <a:t>PassChain</a:t>
             </a:r>
             <a:r>
-              <a:rPr lang="it-IT" sz="4800" dirty="0">
+              <a:rPr lang="it-IT" sz="4000" dirty="0">
                 <a:latin typeface="JetBrains Mono Regular"/>
               </a:rPr>
               <a:t>, l’utente può:</a:t>
@@ -6483,8 +6252,8 @@
         </p:nvSpPr>
         <p:spPr>
           <a:xfrm>
-            <a:off x="3721105" y="6040468"/>
-            <a:ext cx="14735869" cy="656590"/>
+            <a:off x="3721105" y="6071245"/>
+            <a:ext cx="14735869" cy="595035"/>
           </a:xfrm>
           <a:prstGeom prst="rect">
             <a:avLst/>
@@ -6532,7 +6301,7 @@
               <a:tabLst/>
             </a:pPr>
             <a:r>
-              <a:rPr lang="it-IT" sz="3600" dirty="0">
+              <a:rPr lang="it-IT" sz="3200" dirty="0">
                 <a:latin typeface="JetBrains Mono Regular"/>
               </a:rPr>
               <a:t>connettersi ad altri dispositivi tramite Bluetooth;</a:t>
@@ -6554,8 +6323,8 @@
         </p:nvSpPr>
         <p:spPr>
           <a:xfrm>
-            <a:off x="3721102" y="7243796"/>
-            <a:ext cx="14735869" cy="656590"/>
+            <a:off x="3721102" y="7274573"/>
+            <a:ext cx="14735869" cy="595035"/>
           </a:xfrm>
           <a:prstGeom prst="rect">
             <a:avLst/>
@@ -6603,7 +6372,7 @@
               <a:tabLst/>
             </a:pPr>
             <a:r>
-              <a:rPr lang="it-IT" sz="3600" dirty="0">
+              <a:rPr lang="it-IT" sz="3200" dirty="0">
                 <a:latin typeface="JetBrains Mono Regular"/>
               </a:rPr>
               <a:t>autenticarsi tramite un tastierino numerico;</a:t>
@@ -6625,8 +6394,8 @@
         </p:nvSpPr>
         <p:spPr>
           <a:xfrm>
-            <a:off x="3721106" y="8383587"/>
-            <a:ext cx="15341077" cy="656590"/>
+            <a:off x="3721106" y="8168144"/>
+            <a:ext cx="12061077" cy="1087477"/>
           </a:xfrm>
           <a:prstGeom prst="rect">
             <a:avLst/>
@@ -6674,19 +6443,19 @@
               <a:tabLst/>
             </a:pPr>
             <a:r>
-              <a:rPr lang="it-IT" sz="3600" dirty="0">
+              <a:rPr lang="it-IT" sz="3200" dirty="0">
                 <a:latin typeface="JetBrains Mono Regular"/>
               </a:rPr>
               <a:t>collegarsi all’App desktop «</a:t>
             </a:r>
             <a:r>
-              <a:rPr lang="it-IT" sz="3600" dirty="0" err="1">
+              <a:rPr lang="it-IT" sz="3200" dirty="0" err="1">
                 <a:latin typeface="JetBrains Mono Regular"/>
               </a:rPr>
               <a:t>PassChain</a:t>
             </a:r>
             <a:r>
-              <a:rPr lang="it-IT" sz="3600" dirty="0">
+              <a:rPr lang="it-IT" sz="3200" dirty="0">
                 <a:latin typeface="JetBrains Mono Regular"/>
               </a:rPr>
               <a:t>» tramite protocollo MQTT.</a:t>
@@ -6722,7 +6491,7 @@
         </p:blipFill>
         <p:spPr>
           <a:xfrm>
-            <a:off x="13022595" y="5948135"/>
+            <a:off x="16176161" y="6068655"/>
             <a:ext cx="3855706" cy="841256"/>
           </a:xfrm>
           <a:prstGeom prst="rect">
@@ -6758,7 +6527,7 @@
         </p:blipFill>
         <p:spPr>
           <a:xfrm>
-            <a:off x="16880323" y="5539697"/>
+            <a:off x="20033889" y="5660217"/>
             <a:ext cx="1258012" cy="1258012"/>
           </a:xfrm>
           <a:prstGeom prst="rect">
@@ -6782,12 +6551,12 @@
         </p:nvCxnSpPr>
         <p:spPr>
           <a:xfrm>
-            <a:off x="11998927" y="7542318"/>
-            <a:ext cx="9359815" cy="3435430"/>
+            <a:off x="14801850" y="7653377"/>
+            <a:ext cx="6659009" cy="3542370"/>
           </a:xfrm>
           <a:prstGeom prst="curvedConnector3">
             <a:avLst>
-              <a:gd name="adj1" fmla="val 109227"/>
+              <a:gd name="adj1" fmla="val 118945"/>
             </a:avLst>
           </a:prstGeom>
           <a:ln>
@@ -6849,7 +6618,7 @@
         </p:blipFill>
         <p:spPr bwMode="auto">
           <a:xfrm>
-            <a:off x="17472988" y="10123191"/>
+            <a:off x="17616897" y="10441043"/>
             <a:ext cx="3843962" cy="2445651"/>
           </a:xfrm>
           <a:prstGeom prst="rect">
@@ -6875,8 +6644,8 @@
         </p:nvSpPr>
         <p:spPr>
           <a:xfrm>
-            <a:off x="4237882" y="8871955"/>
-            <a:ext cx="11544301" cy="2505795"/>
+            <a:off x="4266458" y="8654631"/>
+            <a:ext cx="10631385" cy="3009237"/>
           </a:xfrm>
           <a:custGeom>
             <a:avLst/>
@@ -7004,7 +6773,7 @@
               <a:buNone/>
               <a:tabLst/>
             </a:pPr>
-            <a:endParaRPr kumimoji="0" lang="it-IT" sz="2800" b="0" i="0" u="none" strike="noStrike" cap="none" spc="0" normalizeH="0" baseline="0">
+            <a:endParaRPr kumimoji="0" lang="it-IT" sz="2800" b="0" i="0" u="none" strike="noStrike" cap="none" spc="0" normalizeH="0" baseline="0" dirty="0">
               <a:ln>
                 <a:noFill/>
               </a:ln>
@@ -7045,7 +6814,7 @@
         </p:blipFill>
         <p:spPr>
           <a:xfrm>
-            <a:off x="1422926" y="11219568"/>
+            <a:off x="1670576" y="11663868"/>
             <a:ext cx="6039332" cy="1216556"/>
           </a:xfrm>
           <a:prstGeom prst="rect">
@@ -7153,8 +6922,8 @@
         </p:nvSpPr>
         <p:spPr>
           <a:xfrm>
-            <a:off x="5949722" y="2501755"/>
-            <a:ext cx="15060178" cy="2133918"/>
+            <a:off x="5949722" y="2495113"/>
+            <a:ext cx="15060178" cy="2564805"/>
           </a:xfrm>
           <a:prstGeom prst="rect">
             <a:avLst/>
@@ -7202,7 +6971,7 @@
               <a:tabLst/>
             </a:pPr>
             <a:r>
-              <a:rPr lang="it-IT" sz="4400" dirty="0">
+              <a:rPr lang="it-IT" sz="4000" dirty="0">
                 <a:solidFill>
                   <a:schemeClr val="bg1"/>
                 </a:solidFill>
@@ -7227,8 +6996,8 @@
         </p:nvSpPr>
         <p:spPr>
           <a:xfrm>
-            <a:off x="3074639" y="5928406"/>
-            <a:ext cx="12641612" cy="6924973"/>
+            <a:off x="3074638" y="5928406"/>
+            <a:ext cx="13879861" cy="6801862"/>
           </a:xfrm>
           <a:prstGeom prst="rect">
             <a:avLst/>
@@ -7261,7 +7030,7 @@
           <a:p>
             <a:pPr algn="l"/>
             <a:r>
-              <a:rPr lang="it-IT" sz="4400" dirty="0">
+              <a:rPr lang="it-IT" sz="4000" dirty="0">
                 <a:solidFill>
                   <a:schemeClr val="bg1"/>
                 </a:solidFill>
@@ -7270,7 +7039,7 @@
               <a:t>L’</a:t>
             </a:r>
             <a:r>
-              <a:rPr lang="it-IT" sz="4400" b="1" dirty="0">
+              <a:rPr lang="it-IT" sz="4000" b="1" dirty="0">
                 <a:solidFill>
                   <a:schemeClr val="accent3">
                     <a:lumMod val="75000"/>
@@ -7281,7 +7050,7 @@
               <a:t>MQTT</a:t>
             </a:r>
             <a:r>
-              <a:rPr lang="it-IT" sz="4400" dirty="0">
+              <a:rPr lang="it-IT" sz="4000" dirty="0">
                 <a:solidFill>
                   <a:schemeClr val="bg1"/>
                 </a:solidFill>
@@ -7293,7 +7062,7 @@
           <a:p>
             <a:pPr algn="l"/>
             <a:r>
-              <a:rPr lang="it-IT" sz="4400" dirty="0">
+              <a:rPr lang="it-IT" sz="4000" dirty="0">
                 <a:solidFill>
                   <a:schemeClr val="bg1"/>
                 </a:solidFill>
@@ -7302,7 +7071,7 @@
               <a:t>di </a:t>
             </a:r>
             <a:r>
-              <a:rPr lang="it-IT" sz="4400" b="1" i="1" dirty="0">
+              <a:rPr lang="it-IT" sz="4000" b="1" i="1" dirty="0">
                 <a:solidFill>
                   <a:schemeClr val="accent3">
                     <a:lumMod val="75000"/>
@@ -7313,7 +7082,7 @@
               <a:t>pub/sub </a:t>
             </a:r>
             <a:r>
-              <a:rPr lang="it-IT" sz="4400" dirty="0">
+              <a:rPr lang="it-IT" sz="4000" dirty="0">
                 <a:solidFill>
                   <a:schemeClr val="bg1"/>
                 </a:solidFill>
@@ -7342,8 +7111,17 @@
           </a:p>
           <a:p>
             <a:pPr algn="l"/>
-            <a:r>
-              <a:rPr lang="it-IT" sz="4400" dirty="0">
+            <a:endParaRPr lang="it-IT" sz="6000" dirty="0">
+              <a:solidFill>
+                <a:schemeClr val="bg1"/>
+              </a:solidFill>
+              <a:latin typeface="JetBrains Mono Regular"/>
+            </a:endParaRPr>
+          </a:p>
+          <a:p>
+            <a:pPr algn="l"/>
+            <a:r>
+              <a:rPr lang="it-IT" sz="4000" dirty="0">
                 <a:solidFill>
                   <a:schemeClr val="bg1"/>
                 </a:solidFill>
@@ -7355,40 +7133,16 @@
           <a:p>
             <a:pPr algn="l"/>
             <a:r>
-              <a:rPr lang="it-IT" sz="4400" dirty="0">
+              <a:rPr lang="it-IT" sz="4000" dirty="0">
                 <a:solidFill>
                   <a:schemeClr val="bg1"/>
                 </a:solidFill>
                 <a:latin typeface="JetBrains Mono Regular"/>
               </a:rPr>
-              <a:t>messaggi tramite un </a:t>
-            </a:r>
-          </a:p>
-          <a:p>
-            <a:pPr algn="l"/>
-            <a:r>
-              <a:rPr lang="it-IT" sz="4400" dirty="0">
-                <a:solidFill>
-                  <a:schemeClr val="bg1"/>
-                </a:solidFill>
-                <a:latin typeface="JetBrains Mono Regular"/>
-              </a:rPr>
-              <a:t>apposito Broker che si occupa di </a:t>
-            </a:r>
-          </a:p>
-          <a:p>
-            <a:pPr algn="l"/>
-            <a:r>
-              <a:rPr lang="it-IT" sz="4400" dirty="0">
-                <a:solidFill>
-                  <a:schemeClr val="bg1"/>
-                </a:solidFill>
-                <a:latin typeface="JetBrains Mono Regular"/>
-              </a:rPr>
-              <a:t>consegnare il messaggio soltanto per i </a:t>
-            </a:r>
-            <a:r>
-              <a:rPr lang="it-IT" sz="4400" dirty="0" err="1">
+              <a:t>messaggi tramite un apposito Broker che si occupa di consegnare il messaggio soltanto per i </a:t>
+            </a:r>
+            <a:r>
+              <a:rPr lang="it-IT" sz="4000" dirty="0" err="1">
                 <a:solidFill>
                   <a:schemeClr val="bg1"/>
                 </a:solidFill>
@@ -7397,7 +7151,7 @@
               <a:t>topics</a:t>
             </a:r>
             <a:r>
-              <a:rPr lang="it-IT" sz="4400" dirty="0">
+              <a:rPr lang="it-IT" sz="4000" dirty="0">
                 <a:solidFill>
                   <a:schemeClr val="bg1"/>
                 </a:solidFill>
@@ -7406,7 +7160,7 @@
               <a:t> sottoscritti dal </a:t>
             </a:r>
             <a:r>
-              <a:rPr lang="it-IT" sz="4400" dirty="0" err="1">
+              <a:rPr lang="it-IT" sz="4000" dirty="0" err="1">
                 <a:solidFill>
                   <a:schemeClr val="bg1"/>
                 </a:solidFill>
@@ -7415,7 +7169,7 @@
               <a:t>subscriber</a:t>
             </a:r>
             <a:r>
-              <a:rPr lang="it-IT" sz="4400" dirty="0">
+              <a:rPr lang="it-IT" sz="4000" dirty="0">
                 <a:solidFill>
                   <a:schemeClr val="bg1"/>
                 </a:solidFill>
@@ -7498,8 +7252,8 @@
         </p:blipFill>
         <p:spPr>
           <a:xfrm>
-            <a:off x="2914650" y="2214146"/>
-            <a:ext cx="2735611" cy="2735611"/>
+            <a:off x="2882243" y="2495113"/>
+            <a:ext cx="2468557" cy="2468557"/>
           </a:xfrm>
           <a:prstGeom prst="rect">
             <a:avLst/>
@@ -7520,8 +7274,8 @@
         </p:nvSpPr>
         <p:spPr>
           <a:xfrm>
-            <a:off x="5650261" y="2422659"/>
-            <a:ext cx="15659100" cy="2318583"/>
+            <a:off x="5650261" y="2408243"/>
+            <a:ext cx="15659100" cy="2735611"/>
           </a:xfrm>
           <a:prstGeom prst="rect">
             <a:avLst/>
@@ -7688,8 +7442,8 @@
         </p:nvSpPr>
         <p:spPr>
           <a:xfrm>
-            <a:off x="1422926" y="4281631"/>
-            <a:ext cx="21538148" cy="1579920"/>
+            <a:off x="1422925" y="4766815"/>
+            <a:ext cx="21538148" cy="1333698"/>
           </a:xfrm>
           <a:prstGeom prst="rect">
             <a:avLst/>
@@ -7737,25 +7491,25 @@
               <a:tabLst/>
             </a:pPr>
             <a:r>
-              <a:rPr lang="it-IT" sz="4800" dirty="0">
+              <a:rPr lang="it-IT" sz="4000" dirty="0">
                 <a:latin typeface="JetBrains Mono Regular"/>
               </a:rPr>
               <a:t>Il </a:t>
             </a:r>
             <a:r>
-              <a:rPr lang="it-IT" sz="4800" u="sng" dirty="0">
+              <a:rPr lang="it-IT" sz="4000" u="sng" dirty="0">
                 <a:latin typeface="JetBrains Mono Regular"/>
               </a:rPr>
               <a:t>protocollo MQTT </a:t>
             </a:r>
             <a:r>
-              <a:rPr lang="it-IT" sz="4800" dirty="0">
+              <a:rPr lang="it-IT" sz="4000" dirty="0">
                 <a:latin typeface="JetBrains Mono Regular"/>
               </a:rPr>
               <a:t>fornisce un metodo leggero per eseguire la messaggistica utilizzando il modello </a:t>
             </a:r>
             <a:r>
-              <a:rPr lang="it-IT" sz="4800" b="1" dirty="0" err="1">
+              <a:rPr lang="it-IT" sz="4000" b="1" dirty="0" err="1">
                 <a:solidFill>
                   <a:schemeClr val="accent1">
                     <a:lumMod val="75000"/>
@@ -7766,7 +7520,7 @@
               <a:t>publish</a:t>
             </a:r>
             <a:r>
-              <a:rPr lang="it-IT" sz="4800" b="1" dirty="0">
+              <a:rPr lang="it-IT" sz="4000" b="1" dirty="0">
                 <a:solidFill>
                   <a:schemeClr val="accent1">
                     <a:lumMod val="75000"/>
@@ -7777,7 +7531,7 @@
               <a:t>/</a:t>
             </a:r>
             <a:r>
-              <a:rPr lang="it-IT" sz="4800" b="1" dirty="0" err="1">
+              <a:rPr lang="it-IT" sz="4000" b="1" dirty="0" err="1">
                 <a:solidFill>
                   <a:schemeClr val="accent1">
                     <a:lumMod val="75000"/>
@@ -7788,7 +7542,7 @@
               <a:t>subscribe</a:t>
             </a:r>
             <a:r>
-              <a:rPr lang="it-IT" sz="4800" dirty="0">
+              <a:rPr lang="it-IT" sz="4000" dirty="0">
                 <a:latin typeface="JetBrains Mono Regular"/>
               </a:rPr>
               <a:t>:</a:t>
@@ -7810,8 +7564,8 @@
         </p:nvSpPr>
         <p:spPr>
           <a:xfrm>
-            <a:off x="1730638" y="1870010"/>
-            <a:ext cx="20922724" cy="1569660"/>
+            <a:off x="1422926" y="1870010"/>
+            <a:ext cx="20922724" cy="1938992"/>
           </a:xfrm>
           <a:prstGeom prst="rect">
             <a:avLst/>
@@ -7860,7 +7614,7 @@
               <a:defRPr/>
             </a:pPr>
             <a:r>
-              <a:rPr kumimoji="0" lang="it-IT" sz="4800" b="1" i="0" u="none" strike="noStrike" kern="0" cap="none" spc="0" normalizeH="0" baseline="0" noProof="0" dirty="0" err="1">
+              <a:rPr kumimoji="0" lang="it-IT" sz="4000" b="1" i="0" u="none" strike="noStrike" kern="0" cap="none" spc="0" normalizeH="0" baseline="0" noProof="0" dirty="0" err="1">
                 <a:ln>
                   <a:noFill/>
                 </a:ln>
@@ -7878,7 +7632,7 @@
               <a:t>Mosquitto</a:t>
             </a:r>
             <a:r>
-              <a:rPr kumimoji="0" lang="it-IT" sz="4800" b="0" i="0" u="none" strike="noStrike" kern="0" cap="none" spc="0" normalizeH="0" baseline="0" noProof="0" dirty="0">
+              <a:rPr kumimoji="0" lang="it-IT" sz="4000" b="0" i="0" u="none" strike="noStrike" kern="0" cap="none" spc="0" normalizeH="0" baseline="0" noProof="0" dirty="0">
                 <a:ln>
                   <a:noFill/>
                 </a:ln>
@@ -7894,7 +7648,7 @@
               <a:t> è un </a:t>
             </a:r>
             <a:r>
-              <a:rPr kumimoji="0" lang="it-IT" sz="4800" b="1" i="0" u="none" strike="noStrike" kern="0" cap="none" spc="0" normalizeH="0" baseline="0" noProof="0" dirty="0">
+              <a:rPr kumimoji="0" lang="it-IT" sz="4000" b="1" i="0" u="none" strike="noStrike" kern="0" cap="none" spc="0" normalizeH="0" baseline="0" noProof="0" dirty="0">
                 <a:ln>
                   <a:noFill/>
                 </a:ln>
@@ -7912,7 +7666,7 @@
               <a:t>broker</a:t>
             </a:r>
             <a:r>
-              <a:rPr kumimoji="0" lang="it-IT" sz="4800" b="0" i="0" u="none" strike="noStrike" kern="0" cap="none" spc="0" normalizeH="0" baseline="0" noProof="0" dirty="0">
+              <a:rPr kumimoji="0" lang="it-IT" sz="4000" b="0" i="0" u="none" strike="noStrike" kern="0" cap="none" spc="0" normalizeH="0" baseline="0" noProof="0" dirty="0">
                 <a:ln>
                   <a:noFill/>
                 </a:ln>
@@ -7944,8 +7698,8 @@
         </p:nvSpPr>
         <p:spPr>
           <a:xfrm>
-            <a:off x="1422926" y="1870010"/>
-            <a:ext cx="21538148" cy="1569660"/>
+            <a:off x="1422926" y="1613282"/>
+            <a:ext cx="20922724" cy="2617643"/>
           </a:xfrm>
           <a:prstGeom prst="rect">
             <a:avLst/>
@@ -8027,8 +7781,8 @@
         </p:nvSpPr>
         <p:spPr>
           <a:xfrm>
-            <a:off x="3721106" y="6445515"/>
-            <a:ext cx="12192000" cy="646331"/>
+            <a:off x="3721106" y="6561251"/>
+            <a:ext cx="12192000" cy="584775"/>
           </a:xfrm>
           <a:prstGeom prst="rect">
             <a:avLst/>
@@ -8077,7 +7831,7 @@
               <a:defRPr/>
             </a:pPr>
             <a:r>
-              <a:rPr kumimoji="0" lang="it-IT" sz="3600" b="0" i="0" u="none" strike="noStrike" kern="0" cap="none" spc="0" normalizeH="0" baseline="0" noProof="0" dirty="0">
+              <a:rPr kumimoji="0" lang="it-IT" sz="3200" b="0" i="0" u="none" strike="noStrike" kern="0" cap="none" spc="0" normalizeH="0" baseline="0" noProof="0" dirty="0">
                 <a:ln>
                   <a:noFill/>
                 </a:ln>
@@ -8093,7 +7847,7 @@
               <a:t>adatto per la messaggistica Internet of </a:t>
             </a:r>
             <a:r>
-              <a:rPr kumimoji="0" lang="it-IT" sz="3600" b="0" i="0" u="none" strike="noStrike" kern="0" cap="none" spc="0" normalizeH="0" baseline="0" noProof="0" dirty="0" err="1">
+              <a:rPr kumimoji="0" lang="it-IT" sz="3200" b="0" i="0" u="none" strike="noStrike" kern="0" cap="none" spc="0" normalizeH="0" baseline="0" noProof="0" dirty="0" err="1">
                 <a:ln>
                   <a:noFill/>
                 </a:ln>
@@ -8108,7 +7862,7 @@
               </a:rPr>
               <a:t>Things</a:t>
             </a:r>
-            <a:endParaRPr kumimoji="0" lang="it-IT" sz="3600" b="0" i="0" u="none" strike="noStrike" kern="0" cap="none" spc="0" normalizeH="0" baseline="0" noProof="0" dirty="0">
+            <a:endParaRPr kumimoji="0" lang="it-IT" sz="3200" b="0" i="0" u="none" strike="noStrike" kern="0" cap="none" spc="0" normalizeH="0" baseline="0" noProof="0" dirty="0">
               <a:ln>
                 <a:noFill/>
               </a:ln>
@@ -8185,8 +7939,8 @@
         </p:blipFill>
         <p:spPr>
           <a:xfrm>
-            <a:off x="16004912" y="5752590"/>
-            <a:ext cx="6648450" cy="1339256"/>
+            <a:off x="16865275" y="6527451"/>
+            <a:ext cx="5270825" cy="1061749"/>
           </a:xfrm>
           <a:prstGeom prst="rect">
             <a:avLst/>
@@ -8207,8 +7961,8 @@
         </p:nvSpPr>
         <p:spPr>
           <a:xfrm>
-            <a:off x="1422926" y="8543101"/>
-            <a:ext cx="4577824" cy="841256"/>
+            <a:off x="1387481" y="8337074"/>
+            <a:ext cx="6019800" cy="718145"/>
           </a:xfrm>
           <a:prstGeom prst="rect">
             <a:avLst/>
@@ -8256,13 +8010,13 @@
               <a:tabLst/>
             </a:pPr>
             <a:r>
-              <a:rPr lang="it-IT" sz="4800" dirty="0" err="1">
+              <a:rPr lang="it-IT" sz="4000" dirty="0" err="1">
                 <a:latin typeface="JetBrains Mono Regular"/>
               </a:rPr>
               <a:t>Topic</a:t>
             </a:r>
             <a:r>
-              <a:rPr lang="it-IT" sz="4800" dirty="0">
+              <a:rPr lang="it-IT" sz="4000" dirty="0">
                 <a:latin typeface="JetBrains Mono Regular"/>
               </a:rPr>
               <a:t> utilizzati:</a:t>
@@ -8351,7 +8105,7 @@
         <p:spPr>
           <a:xfrm>
             <a:off x="3812912" y="10133240"/>
-            <a:ext cx="6019800" cy="646331"/>
+            <a:ext cx="7407538" cy="584775"/>
           </a:xfrm>
           <a:prstGeom prst="rect">
             <a:avLst/>
@@ -8384,7 +8138,7 @@
           <a:p>
             <a:pPr algn="l"/>
             <a:r>
-              <a:rPr lang="it-IT" sz="3600" b="1" dirty="0">
+              <a:rPr lang="it-IT" sz="3200" b="1" dirty="0">
                 <a:solidFill>
                   <a:schemeClr val="accent1">
                     <a:lumMod val="75000"/>
@@ -8395,7 +8149,7 @@
               <a:t>t</a:t>
             </a:r>
             <a:r>
-              <a:rPr kumimoji="0" lang="it-IT" sz="3600" b="1" i="0" u="none" strike="noStrike" kern="0" cap="none" spc="0" normalizeH="0" baseline="0" noProof="0" dirty="0" err="1">
+              <a:rPr kumimoji="0" lang="it-IT" sz="3200" b="1" i="0" u="none" strike="noStrike" kern="0" cap="none" spc="0" normalizeH="0" baseline="0" noProof="0" dirty="0" err="1">
                 <a:ln>
                   <a:noFill/>
                 </a:ln>
@@ -8413,7 +8167,7 @@
               <a:t>opic</a:t>
             </a:r>
             <a:r>
-              <a:rPr lang="it-IT" sz="3600" b="1" dirty="0">
+              <a:rPr lang="it-IT" sz="3200" b="1" dirty="0">
                 <a:solidFill>
                   <a:schemeClr val="accent1">
                     <a:lumMod val="75000"/>
@@ -8424,7 +8178,7 @@
               <a:t>_sub : </a:t>
             </a:r>
             <a:r>
-              <a:rPr kumimoji="0" lang="it-IT" sz="3600" b="1" i="0" u="none" strike="noStrike" kern="0" cap="none" spc="0" normalizeH="0" baseline="0" noProof="0" dirty="0">
+              <a:rPr kumimoji="0" lang="it-IT" sz="3200" b="1" i="0" u="none" strike="noStrike" kern="0" cap="none" spc="0" normalizeH="0" baseline="0" noProof="0" dirty="0">
                 <a:ln>
                   <a:noFill/>
                 </a:ln>
@@ -8442,7 +8196,7 @@
               <a:t>«</a:t>
             </a:r>
             <a:r>
-              <a:rPr kumimoji="0" lang="it-IT" sz="3600" b="1" i="0" u="none" strike="noStrike" kern="0" cap="none" spc="0" normalizeH="0" baseline="0" noProof="0" dirty="0" err="1">
+              <a:rPr kumimoji="0" lang="it-IT" sz="3200" b="1" i="0" u="none" strike="noStrike" kern="0" cap="none" spc="0" normalizeH="0" baseline="0" noProof="0" dirty="0" err="1">
                 <a:ln>
                   <a:noFill/>
                 </a:ln>
@@ -8460,7 +8214,7 @@
               <a:t>APPcredentials</a:t>
             </a:r>
             <a:r>
-              <a:rPr kumimoji="0" lang="it-IT" sz="3600" b="1" i="0" u="none" strike="noStrike" kern="0" cap="none" spc="0" normalizeH="0" baseline="0" noProof="0" dirty="0">
+              <a:rPr kumimoji="0" lang="it-IT" sz="3200" b="1" i="0" u="none" strike="noStrike" kern="0" cap="none" spc="0" normalizeH="0" baseline="0" noProof="0" dirty="0">
                 <a:ln>
                   <a:noFill/>
                 </a:ln>
@@ -8477,7 +8231,7 @@
               </a:rPr>
               <a:t>»</a:t>
             </a:r>
-            <a:endParaRPr lang="it-IT" sz="3600" b="1" dirty="0">
+            <a:endParaRPr lang="it-IT" sz="3200" b="1" dirty="0">
               <a:solidFill>
                 <a:schemeClr val="accent1">
                   <a:lumMod val="75000"/>
@@ -8502,7 +8256,7 @@
         <p:spPr>
           <a:xfrm>
             <a:off x="3812912" y="9374942"/>
-            <a:ext cx="12192000" cy="646331"/>
+            <a:ext cx="12192000" cy="584775"/>
           </a:xfrm>
           <a:prstGeom prst="rect">
             <a:avLst/>
@@ -8551,7 +8305,7 @@
               <a:defRPr/>
             </a:pPr>
             <a:r>
-              <a:rPr lang="it-IT" sz="3600" b="1" dirty="0">
+              <a:rPr lang="it-IT" sz="3200" b="1" dirty="0">
                 <a:solidFill>
                   <a:srgbClr val="00A2FF">
                     <a:lumMod val="75000"/>
@@ -8562,7 +8316,7 @@
               <a:t>t</a:t>
             </a:r>
             <a:r>
-              <a:rPr kumimoji="0" lang="it-IT" sz="3600" b="1" i="0" u="none" strike="noStrike" kern="0" cap="none" spc="0" normalizeH="0" baseline="0" noProof="0" dirty="0" err="1">
+              <a:rPr kumimoji="0" lang="it-IT" sz="3200" b="1" i="0" u="none" strike="noStrike" kern="0" cap="none" spc="0" normalizeH="0" baseline="0" noProof="0" dirty="0" err="1">
                 <a:ln>
                   <a:noFill/>
                 </a:ln>
@@ -8580,7 +8334,7 @@
               <a:t>opic_pub</a:t>
             </a:r>
             <a:r>
-              <a:rPr kumimoji="0" lang="it-IT" sz="3600" b="1" i="0" u="none" strike="noStrike" kern="0" cap="none" spc="0" normalizeH="0" baseline="0" noProof="0" dirty="0">
+              <a:rPr kumimoji="0" lang="it-IT" sz="3200" b="1" i="0" u="none" strike="noStrike" kern="0" cap="none" spc="0" normalizeH="0" baseline="0" noProof="0" dirty="0">
                 <a:ln>
                   <a:noFill/>
                 </a:ln>
@@ -8598,7 +8352,7 @@
               <a:t> : «</a:t>
             </a:r>
             <a:r>
-              <a:rPr lang="it-IT" sz="3600" b="1" dirty="0">
+              <a:rPr lang="it-IT" sz="3200" b="1" dirty="0">
                 <a:solidFill>
                   <a:srgbClr val="00A2FF">
                     <a:lumMod val="75000"/>
@@ -8609,7 +8363,7 @@
               <a:t>ESP</a:t>
             </a:r>
             <a:r>
-              <a:rPr kumimoji="0" lang="it-IT" sz="3600" b="1" i="0" u="none" strike="noStrike" kern="0" cap="none" spc="0" normalizeH="0" baseline="0" noProof="0" dirty="0" err="1">
+              <a:rPr kumimoji="0" lang="it-IT" sz="3200" b="1" i="0" u="none" strike="noStrike" kern="0" cap="none" spc="0" normalizeH="0" baseline="0" noProof="0" dirty="0" err="1">
                 <a:ln>
                   <a:noFill/>
                 </a:ln>
@@ -8627,7 +8381,7 @@
               <a:t>credentials</a:t>
             </a:r>
             <a:r>
-              <a:rPr kumimoji="0" lang="it-IT" sz="3600" b="1" i="0" u="none" strike="noStrike" kern="0" cap="none" spc="0" normalizeH="0" baseline="0" noProof="0" dirty="0">
+              <a:rPr kumimoji="0" lang="it-IT" sz="3200" b="1" i="0" u="none" strike="noStrike" kern="0" cap="none" spc="0" normalizeH="0" baseline="0" noProof="0" dirty="0">
                 <a:ln>
                   <a:noFill/>
                 </a:ln>
@@ -8644,7 +8398,7 @@
               </a:rPr>
               <a:t>»</a:t>
             </a:r>
-            <a:endParaRPr kumimoji="0" lang="it-IT" sz="3600" b="1" i="0" u="none" strike="noStrike" kern="0" cap="none" spc="0" normalizeH="0" baseline="0" noProof="0" dirty="0">
+            <a:endParaRPr kumimoji="0" lang="it-IT" sz="3200" b="1" i="0" u="none" strike="noStrike" kern="0" cap="none" spc="0" normalizeH="0" baseline="0" noProof="0" dirty="0">
               <a:ln>
                 <a:noFill/>
               </a:ln>
@@ -8743,7 +8497,7 @@
         <p:spPr>
           <a:xfrm>
             <a:off x="3765562" y="12541504"/>
-            <a:ext cx="6019800" cy="646331"/>
+            <a:ext cx="7283438" cy="584775"/>
           </a:xfrm>
           <a:prstGeom prst="rect">
             <a:avLst/>
@@ -8776,7 +8530,7 @@
           <a:p>
             <a:pPr algn="l"/>
             <a:r>
-              <a:rPr lang="it-IT" sz="3600" b="1" dirty="0">
+              <a:rPr lang="it-IT" sz="3200" b="1" dirty="0">
                 <a:solidFill>
                   <a:schemeClr val="accent1">
                     <a:lumMod val="75000"/>
@@ -8787,7 +8541,7 @@
               <a:t>t</a:t>
             </a:r>
             <a:r>
-              <a:rPr kumimoji="0" lang="it-IT" sz="3600" b="1" i="0" u="none" strike="noStrike" kern="0" cap="none" spc="0" normalizeH="0" baseline="0" noProof="0" dirty="0" err="1">
+              <a:rPr kumimoji="0" lang="it-IT" sz="3200" b="1" i="0" u="none" strike="noStrike" kern="0" cap="none" spc="0" normalizeH="0" baseline="0" noProof="0" dirty="0" err="1">
                 <a:ln>
                   <a:noFill/>
                 </a:ln>
@@ -8805,7 +8559,7 @@
               <a:t>opic</a:t>
             </a:r>
             <a:r>
-              <a:rPr lang="it-IT" sz="3600" b="1" dirty="0">
+              <a:rPr lang="it-IT" sz="3200" b="1" dirty="0">
                 <a:solidFill>
                   <a:schemeClr val="accent1">
                     <a:lumMod val="75000"/>
@@ -8816,7 +8570,7 @@
               <a:t>_pub : </a:t>
             </a:r>
             <a:r>
-              <a:rPr kumimoji="0" lang="it-IT" sz="3600" b="1" i="0" u="none" strike="noStrike" kern="0" cap="none" spc="0" normalizeH="0" baseline="0" noProof="0" dirty="0">
+              <a:rPr kumimoji="0" lang="it-IT" sz="3200" b="1" i="0" u="none" strike="noStrike" kern="0" cap="none" spc="0" normalizeH="0" baseline="0" noProof="0" dirty="0">
                 <a:ln>
                   <a:noFill/>
                 </a:ln>
@@ -8834,7 +8588,7 @@
               <a:t>«</a:t>
             </a:r>
             <a:r>
-              <a:rPr kumimoji="0" lang="it-IT" sz="3600" b="1" i="0" u="none" strike="noStrike" kern="0" cap="none" spc="0" normalizeH="0" baseline="0" noProof="0" dirty="0" err="1">
+              <a:rPr kumimoji="0" lang="it-IT" sz="3200" b="1" i="0" u="none" strike="noStrike" kern="0" cap="none" spc="0" normalizeH="0" baseline="0" noProof="0" dirty="0" err="1">
                 <a:ln>
                   <a:noFill/>
                 </a:ln>
@@ -8852,7 +8606,7 @@
               <a:t>APPcredentials</a:t>
             </a:r>
             <a:r>
-              <a:rPr kumimoji="0" lang="it-IT" sz="3600" b="1" i="0" u="none" strike="noStrike" kern="0" cap="none" spc="0" normalizeH="0" baseline="0" noProof="0" dirty="0">
+              <a:rPr kumimoji="0" lang="it-IT" sz="3200" b="1" i="0" u="none" strike="noStrike" kern="0" cap="none" spc="0" normalizeH="0" baseline="0" noProof="0" dirty="0">
                 <a:ln>
                   <a:noFill/>
                 </a:ln>
@@ -8869,7 +8623,7 @@
               </a:rPr>
               <a:t>»</a:t>
             </a:r>
-            <a:endParaRPr lang="it-IT" sz="3600" b="1" dirty="0">
+            <a:endParaRPr lang="it-IT" sz="3200" b="1" dirty="0">
               <a:solidFill>
                 <a:schemeClr val="accent1">
                   <a:lumMod val="75000"/>
@@ -8894,7 +8648,7 @@
         <p:spPr>
           <a:xfrm>
             <a:off x="3765562" y="11783206"/>
-            <a:ext cx="12192000" cy="646331"/>
+            <a:ext cx="12192000" cy="584775"/>
           </a:xfrm>
           <a:prstGeom prst="rect">
             <a:avLst/>
@@ -8943,7 +8697,7 @@
               <a:defRPr/>
             </a:pPr>
             <a:r>
-              <a:rPr lang="it-IT" sz="3600" b="1" dirty="0">
+              <a:rPr lang="it-IT" sz="3200" b="1" dirty="0">
                 <a:solidFill>
                   <a:srgbClr val="00A2FF">
                     <a:lumMod val="75000"/>
@@ -8954,7 +8708,7 @@
               <a:t>t</a:t>
             </a:r>
             <a:r>
-              <a:rPr kumimoji="0" lang="it-IT" sz="3600" b="1" i="0" u="none" strike="noStrike" kern="0" cap="none" spc="0" normalizeH="0" baseline="0" noProof="0" dirty="0" err="1">
+              <a:rPr kumimoji="0" lang="it-IT" sz="3200" b="1" i="0" u="none" strike="noStrike" kern="0" cap="none" spc="0" normalizeH="0" baseline="0" noProof="0" dirty="0" err="1">
                 <a:ln>
                   <a:noFill/>
                 </a:ln>
@@ -8972,7 +8726,7 @@
               <a:t>opic_sub</a:t>
             </a:r>
             <a:r>
-              <a:rPr kumimoji="0" lang="it-IT" sz="3600" b="1" i="0" u="none" strike="noStrike" kern="0" cap="none" spc="0" normalizeH="0" baseline="0" noProof="0" dirty="0">
+              <a:rPr kumimoji="0" lang="it-IT" sz="3200" b="1" i="0" u="none" strike="noStrike" kern="0" cap="none" spc="0" normalizeH="0" baseline="0" noProof="0" dirty="0">
                 <a:ln>
                   <a:noFill/>
                 </a:ln>
@@ -8990,7 +8744,7 @@
               <a:t> : «</a:t>
             </a:r>
             <a:r>
-              <a:rPr lang="it-IT" sz="3600" b="1" dirty="0">
+              <a:rPr lang="it-IT" sz="3200" b="1" dirty="0">
                 <a:solidFill>
                   <a:srgbClr val="00A2FF">
                     <a:lumMod val="75000"/>
@@ -9001,7 +8755,7 @@
               <a:t>ESP</a:t>
             </a:r>
             <a:r>
-              <a:rPr kumimoji="0" lang="it-IT" sz="3600" b="1" i="0" u="none" strike="noStrike" kern="0" cap="none" spc="0" normalizeH="0" baseline="0" noProof="0" dirty="0" err="1">
+              <a:rPr kumimoji="0" lang="it-IT" sz="3200" b="1" i="0" u="none" strike="noStrike" kern="0" cap="none" spc="0" normalizeH="0" baseline="0" noProof="0" dirty="0" err="1">
                 <a:ln>
                   <a:noFill/>
                 </a:ln>
@@ -9019,7 +8773,7 @@
               <a:t>credentials</a:t>
             </a:r>
             <a:r>
-              <a:rPr kumimoji="0" lang="it-IT" sz="3600" b="1" i="0" u="none" strike="noStrike" kern="0" cap="none" spc="0" normalizeH="0" baseline="0" noProof="0" dirty="0">
+              <a:rPr kumimoji="0" lang="it-IT" sz="3200" b="1" i="0" u="none" strike="noStrike" kern="0" cap="none" spc="0" normalizeH="0" baseline="0" noProof="0" dirty="0">
                 <a:ln>
                   <a:noFill/>
                 </a:ln>
@@ -9036,7 +8790,7 @@
               </a:rPr>
               <a:t>»</a:t>
             </a:r>
-            <a:endParaRPr kumimoji="0" lang="it-IT" sz="3600" b="1" i="0" u="none" strike="noStrike" kern="0" cap="none" spc="0" normalizeH="0" baseline="0" noProof="0" dirty="0">
+            <a:endParaRPr kumimoji="0" lang="it-IT" sz="3200" b="1" i="0" u="none" strike="noStrike" kern="0" cap="none" spc="0" normalizeH="0" baseline="0" noProof="0" dirty="0">
               <a:ln>
                 <a:noFill/>
               </a:ln>
@@ -9068,7 +8822,7 @@
         </p:nvSpPr>
         <p:spPr>
           <a:xfrm>
-            <a:off x="9562567" y="9534616"/>
+            <a:off x="10858500" y="9330251"/>
             <a:ext cx="723900" cy="1336188"/>
           </a:xfrm>
           <a:prstGeom prst="rightBrace">
@@ -9151,7 +8905,7 @@
         </p:nvSpPr>
         <p:spPr>
           <a:xfrm>
-            <a:off x="9562567" y="11896338"/>
+            <a:off x="10756894" y="11765916"/>
             <a:ext cx="723900" cy="1336188"/>
           </a:xfrm>
           <a:prstGeom prst="rightBrace">
@@ -9234,8 +8988,8 @@
         </p:nvSpPr>
         <p:spPr>
           <a:xfrm>
-            <a:off x="10641147" y="9923652"/>
-            <a:ext cx="3101705" cy="646331"/>
+            <a:off x="11764830" y="9727988"/>
+            <a:ext cx="3855903" cy="584775"/>
           </a:xfrm>
           <a:prstGeom prst="rect">
             <a:avLst/>
@@ -9268,7 +9022,7 @@
           <a:p>
             <a:pPr algn="l"/>
             <a:r>
-              <a:rPr kumimoji="0" lang="it-IT" sz="3600" b="1" i="0" u="none" strike="noStrike" kern="0" cap="none" spc="0" normalizeH="0" baseline="0" noProof="0" dirty="0">
+              <a:rPr kumimoji="0" lang="it-IT" sz="3200" b="1" i="0" u="none" strike="noStrike" kern="0" cap="none" spc="0" normalizeH="0" baseline="0" noProof="0" dirty="0">
                 <a:ln>
                   <a:noFill/>
                 </a:ln>
@@ -9283,7 +9037,7 @@
               </a:rPr>
               <a:t>Board ESP32</a:t>
             </a:r>
-            <a:endParaRPr lang="it-IT" dirty="0">
+            <a:endParaRPr lang="it-IT" sz="2000" dirty="0">
               <a:solidFill>
                 <a:srgbClr val="C00000"/>
               </a:solidFill>
@@ -9305,8 +9059,8 @@
         </p:nvSpPr>
         <p:spPr>
           <a:xfrm>
-            <a:off x="10591077" y="12218338"/>
-            <a:ext cx="3101705" cy="646331"/>
+            <a:off x="11764830" y="12136252"/>
+            <a:ext cx="3101705" cy="584775"/>
           </a:xfrm>
           <a:prstGeom prst="rect">
             <a:avLst/>
@@ -9339,7 +9093,7 @@
           <a:p>
             <a:pPr algn="l"/>
             <a:r>
-              <a:rPr kumimoji="0" lang="it-IT" sz="3600" b="1" i="0" u="none" strike="noStrike" kern="0" cap="none" spc="0" normalizeH="0" baseline="0" noProof="0" dirty="0">
+              <a:rPr kumimoji="0" lang="it-IT" sz="3200" b="1" i="0" u="none" strike="noStrike" kern="0" cap="none" spc="0" normalizeH="0" baseline="0" noProof="0" dirty="0">
                 <a:ln>
                   <a:noFill/>
                 </a:ln>
@@ -9354,7 +9108,7 @@
               </a:rPr>
               <a:t>App Desktop</a:t>
             </a:r>
-            <a:endParaRPr lang="it-IT" dirty="0">
+            <a:endParaRPr lang="it-IT" sz="2000" dirty="0">
               <a:solidFill>
                 <a:srgbClr val="C00000"/>
               </a:solidFill>
@@ -9384,8 +9138,8 @@
         </p:blipFill>
         <p:spPr>
           <a:xfrm>
-            <a:off x="14097532" y="10270605"/>
-            <a:ext cx="8945437" cy="2252219"/>
+            <a:off x="15352048" y="10312763"/>
+            <a:ext cx="6993602" cy="1760800"/>
           </a:xfrm>
           <a:prstGeom prst="rect">
             <a:avLst/>
@@ -9435,6 +9189,39 @@
           <a:chExt cx="0" cy="0"/>
         </a:xfrm>
       </p:grpSpPr>
+      <p:pic>
+        <p:nvPicPr>
+          <p:cNvPr id="10" name="LCDdisplay.png" descr="LCDdisplay.png">
+            <a:extLst>
+              <a:ext uri="{FF2B5EF4-FFF2-40B4-BE49-F238E27FC236}">
+                <a16:creationId xmlns:a16="http://schemas.microsoft.com/office/drawing/2014/main" id="{ACB183E5-1070-0489-3930-5D3D2DBC0BE4}"/>
+              </a:ext>
+            </a:extLst>
+          </p:cNvPr>
+          <p:cNvPicPr>
+            <a:picLocks noChangeAspect="1"/>
+          </p:cNvPicPr>
+          <p:nvPr/>
+        </p:nvPicPr>
+        <p:blipFill>
+          <a:blip r:embed="rId4"/>
+          <a:stretch>
+            <a:fillRect/>
+          </a:stretch>
+        </p:blipFill>
+        <p:spPr>
+          <a:xfrm>
+            <a:off x="3100265" y="3319561"/>
+            <a:ext cx="17367699" cy="9513117"/>
+          </a:xfrm>
+          <a:prstGeom prst="rect">
+            <a:avLst/>
+          </a:prstGeom>
+          <a:ln w="12700">
+            <a:miter lim="400000"/>
+          </a:ln>
+        </p:spPr>
+      </p:pic>
       <p:sp>
         <p:nvSpPr>
           <p:cNvPr id="155" name="Titolo della Slide"/>
@@ -9492,8 +9279,8 @@
         </p:nvSpPr>
         <p:spPr>
           <a:xfrm>
-            <a:off x="1395959" y="1605476"/>
-            <a:ext cx="20776313" cy="830997"/>
+            <a:off x="1422926" y="1827966"/>
+            <a:ext cx="20776313" cy="707886"/>
           </a:xfrm>
           <a:prstGeom prst="rect">
             <a:avLst/>
@@ -9542,7 +9329,7 @@
               <a:defRPr/>
             </a:pPr>
             <a:r>
-              <a:rPr kumimoji="0" lang="it-IT" sz="4800" b="0" i="0" u="none" strike="noStrike" kern="0" cap="none" spc="0" normalizeH="0" baseline="0" noProof="0" dirty="0">
+              <a:rPr kumimoji="0" lang="it-IT" sz="4000" b="0" i="0" u="none" strike="noStrike" kern="0" cap="none" spc="0" normalizeH="0" baseline="0" noProof="0" dirty="0">
                 <a:ln>
                   <a:noFill/>
                 </a:ln>
@@ -9558,7 +9345,7 @@
               <a:t>Setup MQTT in </a:t>
             </a:r>
             <a:r>
-              <a:rPr kumimoji="0" lang="it-IT" sz="4800" b="1" i="0" u="none" strike="noStrike" kern="0" cap="none" spc="0" normalizeH="0" baseline="0" noProof="0" dirty="0">
+              <a:rPr kumimoji="0" lang="it-IT" sz="4000" b="1" i="0" u="none" strike="noStrike" kern="0" cap="none" spc="0" normalizeH="0" baseline="0" noProof="0" dirty="0">
                 <a:ln>
                   <a:noFill/>
                 </a:ln>
@@ -9576,7 +9363,7 @@
               <a:t>ESP32</a:t>
             </a:r>
             <a:r>
-              <a:rPr kumimoji="0" lang="it-IT" sz="4800" b="0" i="0" u="none" strike="noStrike" kern="0" cap="none" spc="0" normalizeH="0" baseline="0" noProof="0" dirty="0">
+              <a:rPr kumimoji="0" lang="it-IT" sz="4000" b="0" i="0" u="none" strike="noStrike" kern="0" cap="none" spc="0" normalizeH="0" baseline="0" noProof="0" dirty="0">
                 <a:ln>
                   <a:noFill/>
                 </a:ln>
@@ -9609,14 +9396,14 @@
           <p:nvPr/>
         </p:nvPicPr>
         <p:blipFill rotWithShape="1">
-          <a:blip r:embed="rId4"/>
+          <a:blip r:embed="rId5"/>
           <a:srcRect t="32419"/>
           <a:stretch/>
         </p:blipFill>
         <p:spPr>
           <a:xfrm>
-            <a:off x="1586459" y="4835538"/>
-            <a:ext cx="9643326" cy="7737462"/>
+            <a:off x="7568269" y="5345235"/>
+            <a:ext cx="8431690" cy="6765289"/>
           </a:xfrm>
           <a:prstGeom prst="rect">
             <a:avLst/>
@@ -9638,44 +9425,14 @@
           <p:nvPr/>
         </p:nvPicPr>
         <p:blipFill rotWithShape="1">
-          <a:blip r:embed="rId4"/>
+          <a:blip r:embed="rId5"/>
           <a:srcRect b="86777"/>
           <a:stretch/>
         </p:blipFill>
         <p:spPr>
           <a:xfrm>
-            <a:off x="1586459" y="3396285"/>
-            <a:ext cx="9643326" cy="1513869"/>
-          </a:xfrm>
-          <a:prstGeom prst="rect">
-            <a:avLst/>
-          </a:prstGeom>
-        </p:spPr>
-      </p:pic>
-      <p:pic>
-        <p:nvPicPr>
-          <p:cNvPr id="19" name="Immagine 18">
-            <a:extLst>
-              <a:ext uri="{FF2B5EF4-FFF2-40B4-BE49-F238E27FC236}">
-                <a16:creationId xmlns:a16="http://schemas.microsoft.com/office/drawing/2014/main" id="{1128398F-6513-AAE0-9773-5E026010B9F0}"/>
-              </a:ext>
-            </a:extLst>
-          </p:cNvPr>
-          <p:cNvPicPr>
-            <a:picLocks noChangeAspect="1"/>
-          </p:cNvPicPr>
-          <p:nvPr/>
-        </p:nvPicPr>
-        <p:blipFill>
-          <a:blip r:embed="rId5"/>
-          <a:stretch>
-            <a:fillRect/>
-          </a:stretch>
-        </p:blipFill>
-        <p:spPr>
-          <a:xfrm>
-            <a:off x="12192000" y="3396285"/>
-            <a:ext cx="11176959" cy="5425220"/>
+            <a:off x="7568268" y="4122631"/>
+            <a:ext cx="8431691" cy="1323659"/>
           </a:xfrm>
           <a:prstGeom prst="rect">
             <a:avLst/>
@@ -9696,8 +9453,8 @@
         </p:nvSpPr>
         <p:spPr>
           <a:xfrm>
-            <a:off x="4798397" y="2593213"/>
-            <a:ext cx="3219450" cy="646331"/>
+            <a:off x="10174388" y="2441735"/>
+            <a:ext cx="3219450" cy="584775"/>
           </a:xfrm>
           <a:prstGeom prst="rect">
             <a:avLst/>
@@ -9729,7 +9486,7 @@
           <a:lstStyle/>
           <a:p>
             <a:r>
-              <a:rPr lang="it-IT" sz="3600" b="1" dirty="0">
+              <a:rPr lang="it-IT" sz="3200" b="1" dirty="0">
                 <a:solidFill>
                   <a:schemeClr val="accent1">
                     <a:lumMod val="75000"/>
@@ -9740,7 +9497,7 @@
               <a:t>b</a:t>
             </a:r>
             <a:r>
-              <a:rPr kumimoji="0" lang="it-IT" sz="3600" b="1" i="0" u="none" strike="noStrike" kern="0" cap="none" spc="0" normalizeH="0" baseline="0" noProof="0" dirty="0">
+              <a:rPr kumimoji="0" lang="it-IT" sz="3200" b="1" i="0" u="none" strike="noStrike" kern="0" cap="none" spc="0" normalizeH="0" baseline="0" noProof="0" dirty="0">
                 <a:ln>
                   <a:noFill/>
                 </a:ln>
@@ -9757,140 +9514,12 @@
               </a:rPr>
               <a:t>oot.py</a:t>
             </a:r>
-            <a:endParaRPr lang="it-IT" sz="3600" b="1" dirty="0">
+            <a:endParaRPr lang="it-IT" sz="3200" b="1" dirty="0">
               <a:solidFill>
                 <a:schemeClr val="accent1">
                   <a:lumMod val="75000"/>
                 </a:schemeClr>
               </a:solidFill>
-            </a:endParaRPr>
-          </a:p>
-        </p:txBody>
-      </p:sp>
-      <p:sp>
-        <p:nvSpPr>
-          <p:cNvPr id="30" name="CasellaDiTesto 29">
-            <a:extLst>
-              <a:ext uri="{FF2B5EF4-FFF2-40B4-BE49-F238E27FC236}">
-                <a16:creationId xmlns:a16="http://schemas.microsoft.com/office/drawing/2014/main" id="{A075C762-5617-CBD4-AA4E-1F84CE1B3287}"/>
-              </a:ext>
-            </a:extLst>
-          </p:cNvPr>
-          <p:cNvSpPr txBox="1"/>
-          <p:nvPr/>
-        </p:nvSpPr>
-        <p:spPr>
-          <a:xfrm>
-            <a:off x="16694629" y="2594044"/>
-            <a:ext cx="2171700" cy="646331"/>
-          </a:xfrm>
-          <a:prstGeom prst="rect">
-            <a:avLst/>
-          </a:prstGeom>
-          <a:noFill/>
-          <a:ln w="12700" cap="flat">
-            <a:noFill/>
-            <a:miter lim="400000"/>
-          </a:ln>
-          <a:effectLst/>
-          <a:sp3d/>
-        </p:spPr>
-        <p:style>
-          <a:lnRef idx="0">
-            <a:scrgbClr r="0" g="0" b="0"/>
-          </a:lnRef>
-          <a:fillRef idx="0">
-            <a:scrgbClr r="0" g="0" b="0"/>
-          </a:fillRef>
-          <a:effectRef idx="0">
-            <a:scrgbClr r="0" g="0" b="0"/>
-          </a:effectRef>
-          <a:fontRef idx="none"/>
-        </p:style>
-        <p:txBody>
-          <a:bodyPr wrap="square">
-            <a:spAutoFit/>
-          </a:bodyPr>
-          <a:lstStyle/>
-          <a:p>
-            <a:pPr marL="0" marR="0" lvl="0" indent="0" algn="ctr" defTabSz="2438338" rtl="0" eaLnBrk="1" fontAlgn="auto" latinLnBrk="0" hangingPunct="0">
-              <a:lnSpc>
-                <a:spcPct val="100000"/>
-              </a:lnSpc>
-              <a:spcBef>
-                <a:spcPts val="0"/>
-              </a:spcBef>
-              <a:spcAft>
-                <a:spcPts val="0"/>
-              </a:spcAft>
-              <a:buClrTx/>
-              <a:buSzTx/>
-              <a:buFontTx/>
-              <a:buNone/>
-              <a:tabLst/>
-              <a:defRPr/>
-            </a:pPr>
-            <a:r>
-              <a:rPr lang="it-IT" sz="3600" b="1" dirty="0" err="1">
-                <a:solidFill>
-                  <a:srgbClr val="00A2FF">
-                    <a:lumMod val="75000"/>
-                  </a:srgbClr>
-                </a:solidFill>
-                <a:latin typeface="JetBrains Mono Regular"/>
-              </a:rPr>
-              <a:t>main</a:t>
-            </a:r>
-            <a:r>
-              <a:rPr kumimoji="0" lang="it-IT" sz="3600" b="1" i="0" u="none" strike="noStrike" kern="0" cap="none" spc="0" normalizeH="0" baseline="0" noProof="0" dirty="0">
-                <a:ln>
-                  <a:noFill/>
-                </a:ln>
-                <a:solidFill>
-                  <a:srgbClr val="00A2FF">
-                    <a:lumMod val="75000"/>
-                  </a:srgbClr>
-                </a:solidFill>
-                <a:effectLst/>
-                <a:uLnTx/>
-                <a:uFillTx/>
-                <a:latin typeface="JetBrains Mono Regular"/>
-                <a:sym typeface="Helvetica Neue"/>
-              </a:rPr>
-              <a:t>.</a:t>
-            </a:r>
-            <a:r>
-              <a:rPr kumimoji="0" lang="it-IT" sz="3600" b="1" i="0" u="none" strike="noStrike" kern="0" cap="none" spc="0" normalizeH="0" baseline="0" noProof="0" dirty="0" err="1">
-                <a:ln>
-                  <a:noFill/>
-                </a:ln>
-                <a:solidFill>
-                  <a:srgbClr val="00A2FF">
-                    <a:lumMod val="75000"/>
-                  </a:srgbClr>
-                </a:solidFill>
-                <a:effectLst/>
-                <a:uLnTx/>
-                <a:uFillTx/>
-                <a:latin typeface="JetBrains Mono Regular"/>
-                <a:sym typeface="Helvetica Neue"/>
-              </a:rPr>
-              <a:t>py</a:t>
-            </a:r>
-            <a:endParaRPr kumimoji="0" lang="it-IT" sz="3600" b="1" i="0" u="none" strike="noStrike" kern="0" cap="none" spc="0" normalizeH="0" baseline="0" noProof="0" dirty="0">
-              <a:ln>
-                <a:noFill/>
-              </a:ln>
-              <a:solidFill>
-                <a:srgbClr val="00A2FF">
-                  <a:lumMod val="75000"/>
-                </a:srgbClr>
-              </a:solidFill>
-              <a:effectLst/>
-              <a:uLnTx/>
-              <a:uFillTx/>
-              <a:latin typeface="Helvetica Neue"/>
-              <a:sym typeface="Helvetica Neue"/>
             </a:endParaRPr>
           </a:p>
         </p:txBody>
@@ -9938,6 +9567,39 @@
           <a:chExt cx="0" cy="0"/>
         </a:xfrm>
       </p:grpSpPr>
+      <p:pic>
+        <p:nvPicPr>
+          <p:cNvPr id="10" name="LCDdisplay.png" descr="LCDdisplay.png">
+            <a:extLst>
+              <a:ext uri="{FF2B5EF4-FFF2-40B4-BE49-F238E27FC236}">
+                <a16:creationId xmlns:a16="http://schemas.microsoft.com/office/drawing/2014/main" id="{ACB183E5-1070-0489-3930-5D3D2DBC0BE4}"/>
+              </a:ext>
+            </a:extLst>
+          </p:cNvPr>
+          <p:cNvPicPr>
+            <a:picLocks noChangeAspect="1"/>
+          </p:cNvPicPr>
+          <p:nvPr/>
+        </p:nvPicPr>
+        <p:blipFill>
+          <a:blip r:embed="rId4"/>
+          <a:stretch>
+            <a:fillRect/>
+          </a:stretch>
+        </p:blipFill>
+        <p:spPr>
+          <a:xfrm>
+            <a:off x="3100265" y="3319561"/>
+            <a:ext cx="17367699" cy="9513117"/>
+          </a:xfrm>
+          <a:prstGeom prst="rect">
+            <a:avLst/>
+          </a:prstGeom>
+          <a:ln w="12700">
+            <a:miter lim="400000"/>
+          </a:ln>
+        </p:spPr>
+      </p:pic>
       <p:sp>
         <p:nvSpPr>
           <p:cNvPr id="155" name="Titolo della Slide"/>
@@ -9975,7 +9637,7 @@
           <a:p>
             <a:r>
               <a:rPr lang="it-IT" dirty="0"/>
-              <a:t>MQTT: codice Java</a:t>
+              <a:t>MQTT: codice ESP32</a:t>
             </a:r>
             <a:endParaRPr dirty="0"/>
           </a:p>
@@ -9995,8 +9657,8 @@
         </p:nvSpPr>
         <p:spPr>
           <a:xfrm>
-            <a:off x="1395959" y="1605476"/>
-            <a:ext cx="20776313" cy="830997"/>
+            <a:off x="1395957" y="1862450"/>
+            <a:ext cx="20776313" cy="707886"/>
           </a:xfrm>
           <a:prstGeom prst="rect">
             <a:avLst/>
@@ -10045,7 +9707,7 @@
               <a:defRPr/>
             </a:pPr>
             <a:r>
-              <a:rPr kumimoji="0" lang="it-IT" sz="4800" b="0" i="0" u="none" strike="noStrike" kern="0" cap="none" spc="0" normalizeH="0" baseline="0" noProof="0" dirty="0">
+              <a:rPr kumimoji="0" lang="it-IT" sz="4000" b="0" i="0" u="none" strike="noStrike" kern="0" cap="none" spc="0" normalizeH="0" baseline="0" noProof="0" dirty="0">
                 <a:ln>
                   <a:noFill/>
                 </a:ln>
@@ -10061,18 +9723,25 @@
               <a:t>Setup MQTT in </a:t>
             </a:r>
             <a:r>
-              <a:rPr lang="it-IT" sz="4800" b="1" dirty="0">
+              <a:rPr kumimoji="0" lang="it-IT" sz="4000" b="1" i="0" u="none" strike="noStrike" kern="0" cap="none" spc="0" normalizeH="0" baseline="0" noProof="0" dirty="0">
+                <a:ln>
+                  <a:noFill/>
+                </a:ln>
                 <a:solidFill>
                   <a:schemeClr val="accent1">
                     <a:lumMod val="75000"/>
                   </a:schemeClr>
                 </a:solidFill>
+                <a:effectLst/>
+                <a:uLnTx/>
+                <a:uFillTx/>
                 <a:latin typeface="JetBrains Mono Regular"/>
+                <a:sym typeface="Helvetica Neue"/>
               </a:rPr>
-              <a:t>GUI Java</a:t>
-            </a:r>
-            <a:r>
-              <a:rPr kumimoji="0" lang="it-IT" sz="4800" b="0" i="0" u="none" strike="noStrike" kern="0" cap="none" spc="0" normalizeH="0" baseline="0" noProof="0" dirty="0">
+              <a:t>ESP32</a:t>
+            </a:r>
+            <a:r>
+              <a:rPr kumimoji="0" lang="it-IT" sz="4000" b="0" i="0" u="none" strike="noStrike" kern="0" cap="none" spc="0" normalizeH="0" baseline="0" noProof="0" dirty="0">
                 <a:ln>
                   <a:noFill/>
                 </a:ln>
@@ -10090,12 +9759,42 @@
           </a:p>
         </p:txBody>
       </p:sp>
+      <p:pic>
+        <p:nvPicPr>
+          <p:cNvPr id="8" name="Immagine 7">
+            <a:extLst>
+              <a:ext uri="{FF2B5EF4-FFF2-40B4-BE49-F238E27FC236}">
+                <a16:creationId xmlns:a16="http://schemas.microsoft.com/office/drawing/2014/main" id="{FA7F6AD4-4F29-5DA6-F611-D84E40C28D82}"/>
+              </a:ext>
+            </a:extLst>
+          </p:cNvPr>
+          <p:cNvPicPr>
+            <a:picLocks noChangeAspect="1"/>
+          </p:cNvPicPr>
+          <p:nvPr/>
+        </p:nvPicPr>
+        <p:blipFill>
+          <a:blip r:embed="rId5"/>
+          <a:stretch>
+            <a:fillRect/>
+          </a:stretch>
+        </p:blipFill>
+        <p:spPr>
+          <a:xfrm>
+            <a:off x="4902304" y="4772870"/>
+            <a:ext cx="13848173" cy="6721810"/>
+          </a:xfrm>
+          <a:prstGeom prst="rect">
+            <a:avLst/>
+          </a:prstGeom>
+        </p:spPr>
+      </p:pic>
       <p:sp>
         <p:nvSpPr>
-          <p:cNvPr id="26" name="CasellaDiTesto 25">
+          <p:cNvPr id="9" name="CasellaDiTesto 8">
             <a:extLst>
               <a:ext uri="{FF2B5EF4-FFF2-40B4-BE49-F238E27FC236}">
-                <a16:creationId xmlns:a16="http://schemas.microsoft.com/office/drawing/2014/main" id="{F2F3C524-CF53-5770-EADE-7652B60480A9}"/>
+                <a16:creationId xmlns:a16="http://schemas.microsoft.com/office/drawing/2014/main" id="{2FB8D307-F4D1-0D5C-F85D-EF4164EBA335}"/>
               </a:ext>
             </a:extLst>
           </p:cNvPr>
@@ -10104,8 +9803,8 @@
         </p:nvSpPr>
         <p:spPr>
           <a:xfrm>
-            <a:off x="9097413" y="2436473"/>
-            <a:ext cx="5373404" cy="646331"/>
+            <a:off x="10698264" y="2436473"/>
+            <a:ext cx="2171700" cy="584775"/>
           </a:xfrm>
           <a:prstGeom prst="rect">
             <a:avLst/>
@@ -10136,119 +9835,92 @@
           </a:bodyPr>
           <a:lstStyle/>
           <a:p>
-            <a:r>
-              <a:rPr lang="it-IT" sz="3600" b="1" dirty="0">
+            <a:pPr marL="0" marR="0" lvl="0" indent="0" algn="ctr" defTabSz="2438338" rtl="0" eaLnBrk="1" fontAlgn="auto" latinLnBrk="0" hangingPunct="0">
+              <a:lnSpc>
+                <a:spcPct val="100000"/>
+              </a:lnSpc>
+              <a:spcBef>
+                <a:spcPts val="0"/>
+              </a:spcBef>
+              <a:spcAft>
+                <a:spcPts val="0"/>
+              </a:spcAft>
+              <a:buClrTx/>
+              <a:buSzTx/>
+              <a:buFontTx/>
+              <a:buNone/>
+              <a:tabLst/>
+              <a:defRPr/>
+            </a:pPr>
+            <a:r>
+              <a:rPr lang="it-IT" sz="3200" b="1" dirty="0" err="1">
                 <a:solidFill>
-                  <a:schemeClr val="accent1">
+                  <a:srgbClr val="00A2FF">
                     <a:lumMod val="75000"/>
-                  </a:schemeClr>
+                  </a:srgbClr>
                 </a:solidFill>
                 <a:latin typeface="JetBrains Mono Regular"/>
               </a:rPr>
-              <a:t>MQTT_connection.java</a:t>
-            </a:r>
-            <a:endParaRPr lang="it-IT" sz="3600" b="1" dirty="0">
+              <a:t>main</a:t>
+            </a:r>
+            <a:r>
+              <a:rPr kumimoji="0" lang="it-IT" sz="3200" b="1" i="0" u="none" strike="noStrike" kern="0" cap="none" spc="0" normalizeH="0" baseline="0" noProof="0" dirty="0">
+                <a:ln>
+                  <a:noFill/>
+                </a:ln>
+                <a:solidFill>
+                  <a:srgbClr val="00A2FF">
+                    <a:lumMod val="75000"/>
+                  </a:srgbClr>
+                </a:solidFill>
+                <a:effectLst/>
+                <a:uLnTx/>
+                <a:uFillTx/>
+                <a:latin typeface="JetBrains Mono Regular"/>
+                <a:sym typeface="Helvetica Neue"/>
+              </a:rPr>
+              <a:t>.</a:t>
+            </a:r>
+            <a:r>
+              <a:rPr kumimoji="0" lang="it-IT" sz="3200" b="1" i="0" u="none" strike="noStrike" kern="0" cap="none" spc="0" normalizeH="0" baseline="0" noProof="0" dirty="0" err="1">
+                <a:ln>
+                  <a:noFill/>
+                </a:ln>
+                <a:solidFill>
+                  <a:srgbClr val="00A2FF">
+                    <a:lumMod val="75000"/>
+                  </a:srgbClr>
+                </a:solidFill>
+                <a:effectLst/>
+                <a:uLnTx/>
+                <a:uFillTx/>
+                <a:latin typeface="JetBrains Mono Regular"/>
+                <a:sym typeface="Helvetica Neue"/>
+              </a:rPr>
+              <a:t>py</a:t>
+            </a:r>
+            <a:endParaRPr kumimoji="0" lang="it-IT" sz="3200" b="1" i="0" u="none" strike="noStrike" kern="0" cap="none" spc="0" normalizeH="0" baseline="0" noProof="0" dirty="0">
+              <a:ln>
+                <a:noFill/>
+              </a:ln>
               <a:solidFill>
-                <a:schemeClr val="accent1">
+                <a:srgbClr val="00A2FF">
                   <a:lumMod val="75000"/>
-                </a:schemeClr>
+                </a:srgbClr>
               </a:solidFill>
+              <a:effectLst/>
+              <a:uLnTx/>
+              <a:uFillTx/>
+              <a:latin typeface="Helvetica Neue"/>
+              <a:sym typeface="Helvetica Neue"/>
             </a:endParaRPr>
           </a:p>
         </p:txBody>
       </p:sp>
-      <p:pic>
-        <p:nvPicPr>
-          <p:cNvPr id="3" name="Immagine 2">
-            <a:extLst>
-              <a:ext uri="{FF2B5EF4-FFF2-40B4-BE49-F238E27FC236}">
-                <a16:creationId xmlns:a16="http://schemas.microsoft.com/office/drawing/2014/main" id="{7171CFC2-328D-0904-BB72-86B4596724E2}"/>
-              </a:ext>
-            </a:extLst>
-          </p:cNvPr>
-          <p:cNvPicPr>
-            <a:picLocks noChangeAspect="1"/>
-          </p:cNvPicPr>
-          <p:nvPr/>
-        </p:nvPicPr>
-        <p:blipFill>
-          <a:blip r:embed="rId4"/>
-          <a:stretch>
-            <a:fillRect/>
-          </a:stretch>
-        </p:blipFill>
-        <p:spPr>
-          <a:xfrm>
-            <a:off x="1422926" y="3489667"/>
-            <a:ext cx="8349724" cy="8776643"/>
-          </a:xfrm>
-          <a:prstGeom prst="rect">
-            <a:avLst/>
-          </a:prstGeom>
-        </p:spPr>
-      </p:pic>
-      <p:pic>
-        <p:nvPicPr>
-          <p:cNvPr id="5" name="Immagine 4">
-            <a:extLst>
-              <a:ext uri="{FF2B5EF4-FFF2-40B4-BE49-F238E27FC236}">
-                <a16:creationId xmlns:a16="http://schemas.microsoft.com/office/drawing/2014/main" id="{1262464C-6B04-1EA8-E720-1D5C96882613}"/>
-              </a:ext>
-            </a:extLst>
-          </p:cNvPr>
-          <p:cNvPicPr>
-            <a:picLocks noChangeAspect="1"/>
-          </p:cNvPicPr>
-          <p:nvPr/>
-        </p:nvPicPr>
-        <p:blipFill rotWithShape="1">
-          <a:blip r:embed="rId5"/>
-          <a:srcRect b="81866"/>
-          <a:stretch/>
-        </p:blipFill>
-        <p:spPr>
-          <a:xfrm>
-            <a:off x="1429325" y="12169824"/>
-            <a:ext cx="8343326" cy="1028002"/>
-          </a:xfrm>
-          <a:prstGeom prst="rect">
-            <a:avLst/>
-          </a:prstGeom>
-        </p:spPr>
-      </p:pic>
-      <p:pic>
-        <p:nvPicPr>
-          <p:cNvPr id="13" name="Immagine 12">
-            <a:extLst>
-              <a:ext uri="{FF2B5EF4-FFF2-40B4-BE49-F238E27FC236}">
-                <a16:creationId xmlns:a16="http://schemas.microsoft.com/office/drawing/2014/main" id="{508238A3-4AE8-95D6-6AB5-7F963C3C733E}"/>
-              </a:ext>
-            </a:extLst>
-          </p:cNvPr>
-          <p:cNvPicPr>
-            <a:picLocks noChangeAspect="1"/>
-          </p:cNvPicPr>
-          <p:nvPr/>
-        </p:nvPicPr>
-        <p:blipFill rotWithShape="1">
-          <a:blip r:embed="rId5"/>
-          <a:srcRect t="21211" b="-1356"/>
-          <a:stretch/>
-        </p:blipFill>
-        <p:spPr>
-          <a:xfrm>
-            <a:off x="11784115" y="3489666"/>
-            <a:ext cx="10943033" cy="5959133"/>
-          </a:xfrm>
-          <a:prstGeom prst="rect">
-            <a:avLst/>
-          </a:prstGeom>
-        </p:spPr>
-      </p:pic>
     </p:spTree>
     <p:extLst>
       <p:ext uri="{BB962C8B-B14F-4D97-AF65-F5344CB8AC3E}">
-        <p14:creationId xmlns:p14="http://schemas.microsoft.com/office/powerpoint/2010/main" val="1812724212"/>
+        <p14:creationId xmlns:p14="http://schemas.microsoft.com/office/powerpoint/2010/main" val="2289723133"/>
       </p:ext>
     </p:extLst>
   </p:cSld>
@@ -10288,6 +9960,39 @@
           <a:chExt cx="0" cy="0"/>
         </a:xfrm>
       </p:grpSpPr>
+      <p:pic>
+        <p:nvPicPr>
+          <p:cNvPr id="8" name="LCDdisplay.png" descr="LCDdisplay.png">
+            <a:extLst>
+              <a:ext uri="{FF2B5EF4-FFF2-40B4-BE49-F238E27FC236}">
+                <a16:creationId xmlns:a16="http://schemas.microsoft.com/office/drawing/2014/main" id="{C3EC6F30-000B-C536-E44C-464D70D6B824}"/>
+              </a:ext>
+            </a:extLst>
+          </p:cNvPr>
+          <p:cNvPicPr>
+            <a:picLocks noChangeAspect="1"/>
+          </p:cNvPicPr>
+          <p:nvPr/>
+        </p:nvPicPr>
+        <p:blipFill>
+          <a:blip r:embed="rId4"/>
+          <a:stretch>
+            <a:fillRect/>
+          </a:stretch>
+        </p:blipFill>
+        <p:spPr>
+          <a:xfrm>
+            <a:off x="2655996" y="2881315"/>
+            <a:ext cx="19072007" cy="10446648"/>
+          </a:xfrm>
+          <a:prstGeom prst="rect">
+            <a:avLst/>
+          </a:prstGeom>
+          <a:ln w="12700">
+            <a:miter lim="400000"/>
+          </a:ln>
+        </p:spPr>
+      </p:pic>
       <p:sp>
         <p:nvSpPr>
           <p:cNvPr id="155" name="Titolo della Slide"/>
@@ -10325,51 +10030,194 @@
           <a:p>
             <a:r>
               <a:rPr lang="it-IT" dirty="0"/>
-              <a:t>Periferiche di interazione</a:t>
+              <a:t>MQTT: codice Java</a:t>
             </a:r>
             <a:endParaRPr dirty="0"/>
+          </a:p>
+        </p:txBody>
+      </p:sp>
+      <p:sp>
+        <p:nvSpPr>
+          <p:cNvPr id="14" name="CasellaDiTesto 13">
+            <a:extLst>
+              <a:ext uri="{FF2B5EF4-FFF2-40B4-BE49-F238E27FC236}">
+                <a16:creationId xmlns:a16="http://schemas.microsoft.com/office/drawing/2014/main" id="{A039A89A-8AC2-8910-BECD-1F89F04C8FC1}"/>
+              </a:ext>
+            </a:extLst>
+          </p:cNvPr>
+          <p:cNvSpPr txBox="1"/>
+          <p:nvPr/>
+        </p:nvSpPr>
+        <p:spPr>
+          <a:xfrm>
+            <a:off x="1422926" y="1605476"/>
+            <a:ext cx="20776313" cy="707886"/>
+          </a:xfrm>
+          <a:prstGeom prst="rect">
+            <a:avLst/>
+          </a:prstGeom>
+          <a:noFill/>
+          <a:ln w="12700" cap="flat">
+            <a:noFill/>
+            <a:miter lim="400000"/>
+          </a:ln>
+          <a:effectLst/>
+          <a:sp3d/>
+        </p:spPr>
+        <p:style>
+          <a:lnRef idx="0">
+            <a:scrgbClr r="0" g="0" b="0"/>
+          </a:lnRef>
+          <a:fillRef idx="0">
+            <a:scrgbClr r="0" g="0" b="0"/>
+          </a:fillRef>
+          <a:effectRef idx="0">
+            <a:scrgbClr r="0" g="0" b="0"/>
+          </a:effectRef>
+          <a:fontRef idx="none"/>
+        </p:style>
+        <p:txBody>
+          <a:bodyPr wrap="square">
+            <a:spAutoFit/>
+          </a:bodyPr>
+          <a:lstStyle/>
+          <a:p>
+            <a:pPr marL="0" marR="0" lvl="0" indent="0" algn="l" defTabSz="2438338" rtl="0" eaLnBrk="1" fontAlgn="auto" latinLnBrk="0" hangingPunct="0">
+              <a:lnSpc>
+                <a:spcPct val="100000"/>
+              </a:lnSpc>
+              <a:spcBef>
+                <a:spcPts val="0"/>
+              </a:spcBef>
+              <a:spcAft>
+                <a:spcPts val="0"/>
+              </a:spcAft>
+              <a:buClrTx/>
+              <a:buSzTx/>
+              <a:buFontTx/>
+              <a:buNone/>
+              <a:tabLst/>
+              <a:defRPr/>
+            </a:pPr>
+            <a:r>
+              <a:rPr kumimoji="0" lang="it-IT" sz="4000" b="0" i="0" u="none" strike="noStrike" kern="0" cap="none" spc="0" normalizeH="0" baseline="0" noProof="0" dirty="0">
+                <a:ln>
+                  <a:noFill/>
+                </a:ln>
+                <a:solidFill>
+                  <a:srgbClr val="5E5E5E"/>
+                </a:solidFill>
+                <a:effectLst/>
+                <a:uLnTx/>
+                <a:uFillTx/>
+                <a:latin typeface="JetBrains Mono Regular"/>
+                <a:sym typeface="Helvetica Neue"/>
+              </a:rPr>
+              <a:t>Setup MQTT in </a:t>
+            </a:r>
+            <a:r>
+              <a:rPr lang="it-IT" sz="4000" b="1" dirty="0">
+                <a:solidFill>
+                  <a:schemeClr val="accent1">
+                    <a:lumMod val="75000"/>
+                  </a:schemeClr>
+                </a:solidFill>
+                <a:latin typeface="JetBrains Mono Regular"/>
+              </a:rPr>
+              <a:t>GUI Java</a:t>
+            </a:r>
+            <a:r>
+              <a:rPr kumimoji="0" lang="it-IT" sz="4000" b="0" i="0" u="none" strike="noStrike" kern="0" cap="none" spc="0" normalizeH="0" baseline="0" noProof="0" dirty="0">
+                <a:ln>
+                  <a:noFill/>
+                </a:ln>
+                <a:solidFill>
+                  <a:srgbClr val="5E5E5E"/>
+                </a:solidFill>
+                <a:effectLst/>
+                <a:uLnTx/>
+                <a:uFillTx/>
+                <a:latin typeface="JetBrains Mono Regular"/>
+                <a:sym typeface="Helvetica Neue"/>
+              </a:rPr>
+              <a:t>:</a:t>
+            </a:r>
+          </a:p>
+        </p:txBody>
+      </p:sp>
+      <p:sp>
+        <p:nvSpPr>
+          <p:cNvPr id="26" name="CasellaDiTesto 25">
+            <a:extLst>
+              <a:ext uri="{FF2B5EF4-FFF2-40B4-BE49-F238E27FC236}">
+                <a16:creationId xmlns:a16="http://schemas.microsoft.com/office/drawing/2014/main" id="{F2F3C524-CF53-5770-EADE-7652B60480A9}"/>
+              </a:ext>
+            </a:extLst>
+          </p:cNvPr>
+          <p:cNvSpPr txBox="1"/>
+          <p:nvPr/>
+        </p:nvSpPr>
+        <p:spPr>
+          <a:xfrm>
+            <a:off x="9520162" y="2139404"/>
+            <a:ext cx="5373404" cy="584775"/>
+          </a:xfrm>
+          <a:prstGeom prst="rect">
+            <a:avLst/>
+          </a:prstGeom>
+          <a:noFill/>
+          <a:ln w="12700" cap="flat">
+            <a:noFill/>
+            <a:miter lim="400000"/>
+          </a:ln>
+          <a:effectLst/>
+          <a:sp3d/>
+        </p:spPr>
+        <p:style>
+          <a:lnRef idx="0">
+            <a:scrgbClr r="0" g="0" b="0"/>
+          </a:lnRef>
+          <a:fillRef idx="0">
+            <a:scrgbClr r="0" g="0" b="0"/>
+          </a:fillRef>
+          <a:effectRef idx="0">
+            <a:scrgbClr r="0" g="0" b="0"/>
+          </a:effectRef>
+          <a:fontRef idx="none"/>
+        </p:style>
+        <p:txBody>
+          <a:bodyPr wrap="square">
+            <a:spAutoFit/>
+          </a:bodyPr>
+          <a:lstStyle/>
+          <a:p>
+            <a:r>
+              <a:rPr lang="it-IT" sz="3200" b="1" dirty="0">
+                <a:solidFill>
+                  <a:schemeClr val="accent1">
+                    <a:lumMod val="75000"/>
+                  </a:schemeClr>
+                </a:solidFill>
+                <a:latin typeface="JetBrains Mono Regular"/>
+              </a:rPr>
+              <a:t>MQTT_connection.java</a:t>
+            </a:r>
+            <a:endParaRPr lang="it-IT" sz="3200" b="1" dirty="0">
+              <a:solidFill>
+                <a:schemeClr val="accent1">
+                  <a:lumMod val="75000"/>
+                </a:schemeClr>
+              </a:solidFill>
+            </a:endParaRPr>
           </a:p>
         </p:txBody>
       </p:sp>
       <p:pic>
         <p:nvPicPr>
-          <p:cNvPr id="10" name="Vector 8.png" descr="Vector 8.png">
+          <p:cNvPr id="3" name="Immagine 2">
             <a:extLst>
               <a:ext uri="{FF2B5EF4-FFF2-40B4-BE49-F238E27FC236}">
-                <a16:creationId xmlns:a16="http://schemas.microsoft.com/office/drawing/2014/main" id="{1F89E293-B09B-5FA9-5A98-F775E2697EB7}"/>
-              </a:ext>
-            </a:extLst>
-          </p:cNvPr>
-          <p:cNvPicPr>
-            <a:picLocks noChangeAspect="1"/>
-          </p:cNvPicPr>
-          <p:nvPr/>
-        </p:nvPicPr>
-        <p:blipFill>
-          <a:blip r:embed="rId4"/>
-          <a:stretch>
-            <a:fillRect/>
-          </a:stretch>
-        </p:blipFill>
-        <p:spPr>
-          <a:xfrm>
-            <a:off x="712234" y="12244205"/>
-            <a:ext cx="4037399" cy="1224375"/>
-          </a:xfrm>
-          <a:prstGeom prst="rect">
-            <a:avLst/>
-          </a:prstGeom>
-          <a:ln w="12700">
-            <a:miter lim="400000"/>
-          </a:ln>
-        </p:spPr>
-      </p:pic>
-      <p:pic>
-        <p:nvPicPr>
-          <p:cNvPr id="11" name="Vector 9.png" descr="Vector 9.png">
-            <a:extLst>
-              <a:ext uri="{FF2B5EF4-FFF2-40B4-BE49-F238E27FC236}">
-                <a16:creationId xmlns:a16="http://schemas.microsoft.com/office/drawing/2014/main" id="{33D68BD4-10C5-06E1-3774-37DDBEC48CFA}"/>
+                <a16:creationId xmlns:a16="http://schemas.microsoft.com/office/drawing/2014/main" id="{7171CFC2-328D-0904-BB72-86B4596724E2}"/>
               </a:ext>
             </a:extLst>
           </p:cNvPr>
@@ -10386,23 +10234,20 @@
         </p:blipFill>
         <p:spPr>
           <a:xfrm>
-            <a:off x="18764250" y="1743345"/>
-            <a:ext cx="4907516" cy="2751391"/>
+            <a:off x="8320289" y="3571494"/>
+            <a:ext cx="7773151" cy="8170589"/>
           </a:xfrm>
           <a:prstGeom prst="rect">
             <a:avLst/>
           </a:prstGeom>
-          <a:ln w="12700">
-            <a:miter lim="400000"/>
-          </a:ln>
         </p:spPr>
       </p:pic>
       <p:pic>
         <p:nvPicPr>
-          <p:cNvPr id="12" name="Jumper.png" descr="Jumper.png">
+          <p:cNvPr id="5" name="Immagine 4">
             <a:extLst>
               <a:ext uri="{FF2B5EF4-FFF2-40B4-BE49-F238E27FC236}">
-                <a16:creationId xmlns:a16="http://schemas.microsoft.com/office/drawing/2014/main" id="{5A0DBBDA-79A1-4839-ADF3-9BD634C4651E}"/>
+                <a16:creationId xmlns:a16="http://schemas.microsoft.com/office/drawing/2014/main" id="{1262464C-6B04-1EA8-E720-1D5C96882613}"/>
               </a:ext>
             </a:extLst>
           </p:cNvPr>
@@ -10411,254 +10256,25 @@
           </p:cNvPicPr>
           <p:nvPr/>
         </p:nvPicPr>
-        <p:blipFill>
+        <p:blipFill rotWithShape="1">
           <a:blip r:embed="rId6"/>
-          <a:stretch>
-            <a:fillRect/>
-          </a:stretch>
+          <a:srcRect b="81866"/>
+          <a:stretch/>
         </p:blipFill>
         <p:spPr>
           <a:xfrm>
-            <a:off x="712234" y="1743346"/>
-            <a:ext cx="3693360" cy="983159"/>
+            <a:off x="8305423" y="11631649"/>
+            <a:ext cx="7773151" cy="957749"/>
           </a:xfrm>
           <a:prstGeom prst="rect">
             <a:avLst/>
           </a:prstGeom>
-          <a:ln w="12700">
-            <a:miter lim="400000"/>
-          </a:ln>
         </p:spPr>
       </p:pic>
-      <p:sp>
-        <p:nvSpPr>
-          <p:cNvPr id="15" name="Rettangolo arrotondato">
-            <a:extLst>
-              <a:ext uri="{FF2B5EF4-FFF2-40B4-BE49-F238E27FC236}">
-                <a16:creationId xmlns:a16="http://schemas.microsoft.com/office/drawing/2014/main" id="{C167FA90-AEB2-EFD6-61DF-323690B5DC00}"/>
-              </a:ext>
-            </a:extLst>
-          </p:cNvPr>
-          <p:cNvSpPr/>
-          <p:nvPr/>
-        </p:nvSpPr>
-        <p:spPr>
-          <a:xfrm>
-            <a:off x="4058352" y="2149780"/>
-            <a:ext cx="5459855" cy="4995007"/>
-          </a:xfrm>
-          <a:prstGeom prst="roundRect">
-            <a:avLst>
-              <a:gd name="adj" fmla="val 15584"/>
-            </a:avLst>
-          </a:prstGeom>
-          <a:solidFill>
-            <a:srgbClr val="BD0002"/>
-          </a:solidFill>
-          <a:ln w="12700">
-            <a:miter lim="400000"/>
-          </a:ln>
-        </p:spPr>
-        <p:txBody>
-          <a:bodyPr lIns="50800" tIns="50800" rIns="50800" bIns="50800" anchor="ctr"/>
-          <a:lstStyle/>
-          <a:p>
-            <a:pPr defTabSz="825500">
-              <a:defRPr sz="3200">
-                <a:solidFill>
-                  <a:srgbClr val="FFFFFF"/>
-                </a:solidFill>
-                <a:latin typeface="Helvetica Neue Medium"/>
-                <a:ea typeface="Helvetica Neue Medium"/>
-                <a:cs typeface="Helvetica Neue Medium"/>
-                <a:sym typeface="Helvetica Neue Medium"/>
-              </a:defRPr>
-            </a:pPr>
-            <a:endParaRPr dirty="0"/>
-          </a:p>
-        </p:txBody>
-      </p:sp>
-      <p:sp>
-        <p:nvSpPr>
-          <p:cNvPr id="16" name="Rettangolo arrotondato">
-            <a:extLst>
-              <a:ext uri="{FF2B5EF4-FFF2-40B4-BE49-F238E27FC236}">
-                <a16:creationId xmlns:a16="http://schemas.microsoft.com/office/drawing/2014/main" id="{AFB8C87E-7321-7A8A-CA0B-C08A285E6AA8}"/>
-              </a:ext>
-            </a:extLst>
-          </p:cNvPr>
-          <p:cNvSpPr/>
-          <p:nvPr/>
-        </p:nvSpPr>
-        <p:spPr>
-          <a:xfrm>
-            <a:off x="13446541" y="2137620"/>
-            <a:ext cx="5459855" cy="4995006"/>
-          </a:xfrm>
-          <a:prstGeom prst="roundRect">
-            <a:avLst>
-              <a:gd name="adj" fmla="val 14337"/>
-            </a:avLst>
-          </a:prstGeom>
-          <a:solidFill>
-            <a:srgbClr val="159B01"/>
-          </a:solidFill>
-          <a:ln w="12700">
-            <a:miter lim="400000"/>
-          </a:ln>
-        </p:spPr>
-        <p:txBody>
-          <a:bodyPr lIns="50800" tIns="50800" rIns="50800" bIns="50800" anchor="ctr"/>
-          <a:lstStyle/>
-          <a:p>
-            <a:pPr defTabSz="825500">
-              <a:defRPr sz="3200">
-                <a:solidFill>
-                  <a:srgbClr val="FFFFFF"/>
-                </a:solidFill>
-                <a:latin typeface="Helvetica Neue Medium"/>
-                <a:ea typeface="Helvetica Neue Medium"/>
-                <a:cs typeface="Helvetica Neue Medium"/>
-                <a:sym typeface="Helvetica Neue Medium"/>
-              </a:defRPr>
-            </a:pPr>
-            <a:endParaRPr/>
-          </a:p>
-        </p:txBody>
-      </p:sp>
-      <p:sp>
-        <p:nvSpPr>
-          <p:cNvPr id="17" name="Rettangolo arrotondato">
-            <a:extLst>
-              <a:ext uri="{FF2B5EF4-FFF2-40B4-BE49-F238E27FC236}">
-                <a16:creationId xmlns:a16="http://schemas.microsoft.com/office/drawing/2014/main" id="{73598280-5054-A30E-AFD2-0DC6ED4EECB7}"/>
-              </a:ext>
-            </a:extLst>
-          </p:cNvPr>
-          <p:cNvSpPr/>
-          <p:nvPr/>
-        </p:nvSpPr>
-        <p:spPr>
-          <a:xfrm>
-            <a:off x="4058352" y="8254838"/>
-            <a:ext cx="5484477" cy="4982846"/>
-          </a:xfrm>
-          <a:prstGeom prst="roundRect">
-            <a:avLst>
-              <a:gd name="adj" fmla="val 15000"/>
-            </a:avLst>
-          </a:prstGeom>
-          <a:solidFill>
-            <a:srgbClr val="EBA900"/>
-          </a:solidFill>
-          <a:ln w="12700">
-            <a:miter lim="400000"/>
-          </a:ln>
-        </p:spPr>
-        <p:txBody>
-          <a:bodyPr lIns="50800" tIns="50800" rIns="50800" bIns="50800" anchor="ctr"/>
-          <a:lstStyle/>
-          <a:p>
-            <a:pPr defTabSz="825500">
-              <a:defRPr sz="3200">
-                <a:solidFill>
-                  <a:srgbClr val="FFFFFF"/>
-                </a:solidFill>
-                <a:latin typeface="Helvetica Neue Medium"/>
-                <a:ea typeface="Helvetica Neue Medium"/>
-                <a:cs typeface="Helvetica Neue Medium"/>
-                <a:sym typeface="Helvetica Neue Medium"/>
-              </a:defRPr>
-            </a:pPr>
-            <a:endParaRPr/>
-          </a:p>
-        </p:txBody>
-      </p:sp>
-      <p:pic>
-        <p:nvPicPr>
-          <p:cNvPr id="18" name="Vector 7.png" descr="Vector 7.png">
-            <a:extLst>
-              <a:ext uri="{FF2B5EF4-FFF2-40B4-BE49-F238E27FC236}">
-                <a16:creationId xmlns:a16="http://schemas.microsoft.com/office/drawing/2014/main" id="{1CF84F86-7B6B-D73B-2273-CAE7DF6B83AF}"/>
-              </a:ext>
-            </a:extLst>
-          </p:cNvPr>
-          <p:cNvPicPr>
-            <a:picLocks noChangeAspect="1"/>
-          </p:cNvPicPr>
-          <p:nvPr/>
-        </p:nvPicPr>
-        <p:blipFill>
-          <a:blip r:embed="rId7"/>
-          <a:stretch>
-            <a:fillRect/>
-          </a:stretch>
-        </p:blipFill>
-        <p:spPr>
-          <a:xfrm>
-            <a:off x="17112574" y="11335156"/>
-            <a:ext cx="6718975" cy="1821383"/>
-          </a:xfrm>
-          <a:prstGeom prst="rect">
-            <a:avLst/>
-          </a:prstGeom>
-          <a:ln w="12700">
-            <a:miter lim="400000"/>
-          </a:ln>
-        </p:spPr>
-      </p:pic>
-      <p:sp>
-        <p:nvSpPr>
-          <p:cNvPr id="19" name="Rettangolo arrotondato">
-            <a:extLst>
-              <a:ext uri="{FF2B5EF4-FFF2-40B4-BE49-F238E27FC236}">
-                <a16:creationId xmlns:a16="http://schemas.microsoft.com/office/drawing/2014/main" id="{654E61B2-92D9-238C-150E-3A7F55223260}"/>
-              </a:ext>
-            </a:extLst>
-          </p:cNvPr>
-          <p:cNvSpPr/>
-          <p:nvPr/>
-        </p:nvSpPr>
-        <p:spPr>
-          <a:xfrm>
-            <a:off x="13446541" y="8254838"/>
-            <a:ext cx="5459855" cy="4982846"/>
-          </a:xfrm>
-          <a:prstGeom prst="roundRect">
-            <a:avLst>
-              <a:gd name="adj" fmla="val 15000"/>
-            </a:avLst>
-          </a:prstGeom>
-          <a:solidFill>
-            <a:srgbClr val="005AE0"/>
-          </a:solidFill>
-          <a:ln w="12700">
-            <a:miter lim="400000"/>
-          </a:ln>
-        </p:spPr>
-        <p:txBody>
-          <a:bodyPr lIns="50800" tIns="50800" rIns="50800" bIns="50800" anchor="ctr"/>
-          <a:lstStyle/>
-          <a:p>
-            <a:pPr defTabSz="825500">
-              <a:defRPr sz="3200">
-                <a:solidFill>
-                  <a:srgbClr val="FFFFFF"/>
-                </a:solidFill>
-                <a:latin typeface="Helvetica Neue Medium"/>
-                <a:ea typeface="Helvetica Neue Medium"/>
-                <a:cs typeface="Helvetica Neue Medium"/>
-                <a:sym typeface="Helvetica Neue Medium"/>
-              </a:defRPr>
-            </a:pPr>
-            <a:endParaRPr/>
-          </a:p>
-        </p:txBody>
-      </p:sp>
     </p:spTree>
     <p:extLst>
       <p:ext uri="{BB962C8B-B14F-4D97-AF65-F5344CB8AC3E}">
-        <p14:creationId xmlns:p14="http://schemas.microsoft.com/office/powerpoint/2010/main" val="883506297"/>
+        <p14:creationId xmlns:p14="http://schemas.microsoft.com/office/powerpoint/2010/main" val="2266738639"/>
       </p:ext>
     </p:extLst>
   </p:cSld>

--- a/Presentation/TemplateIoT.pptx
+++ b/Presentation/TemplateIoT.pptx
@@ -3439,7 +3439,7 @@
           </a:ln>
           <a:extLst>
             <a:ext uri="{C572A759-6A51-4108-AA02-DFA0A04FC94B}">
-              <ma14:wrappingTextBoxFlag xmlns="" xmlns:m="http://schemas.openxmlformats.org/officeDocument/2006/math" xmlns:a14="http://schemas.microsoft.com/office/drawing/2010/main" xmlns:ma14="http://schemas.microsoft.com/office/mac/drawingml/2011/main" val="1"/>
+              <ma14:wrappingTextBoxFlag xmlns:ma14="http://schemas.microsoft.com/office/mac/drawingml/2011/main" xmlns:a14="http://schemas.microsoft.com/office/drawing/2010/main" xmlns:m="http://schemas.openxmlformats.org/officeDocument/2006/math" xmlns="" val="1"/>
             </a:ext>
           </a:extLst>
         </p:spPr>
@@ -3478,7 +3478,7 @@
           </a:ln>
           <a:extLst>
             <a:ext uri="{C572A759-6A51-4108-AA02-DFA0A04FC94B}">
-              <ma14:wrappingTextBoxFlag xmlns="" xmlns:m="http://schemas.openxmlformats.org/officeDocument/2006/math" xmlns:a14="http://schemas.microsoft.com/office/drawing/2010/main" xmlns:ma14="http://schemas.microsoft.com/office/mac/drawingml/2011/main" val="1"/>
+              <ma14:wrappingTextBoxFlag xmlns:ma14="http://schemas.microsoft.com/office/mac/drawingml/2011/main" xmlns:a14="http://schemas.microsoft.com/office/drawing/2010/main" xmlns:m="http://schemas.openxmlformats.org/officeDocument/2006/math" xmlns="" val="1"/>
             </a:ext>
           </a:extLst>
         </p:spPr>
@@ -4334,7 +4334,7 @@
           </a:ln>
           <a:extLst>
             <a:ext uri="{C572A759-6A51-4108-AA02-DFA0A04FC94B}">
-              <ma14:wrappingTextBoxFlag xmlns="" xmlns:m="http://schemas.openxmlformats.org/officeDocument/2006/math" xmlns:a14="http://schemas.microsoft.com/office/drawing/2010/main" xmlns:ma14="http://schemas.microsoft.com/office/mac/drawingml/2011/main" val="1"/>
+              <ma14:wrappingTextBoxFlag xmlns:ma14="http://schemas.microsoft.com/office/mac/drawingml/2011/main" xmlns:a14="http://schemas.microsoft.com/office/drawing/2010/main" xmlns:m="http://schemas.openxmlformats.org/officeDocument/2006/math" xmlns="" val="1"/>
             </a:ext>
           </a:extLst>
         </p:spPr>
@@ -4466,7 +4466,7 @@
           </a:ln>
           <a:extLst>
             <a:ext uri="{C572A759-6A51-4108-AA02-DFA0A04FC94B}">
-              <ma14:wrappingTextBoxFlag xmlns="" xmlns:m="http://schemas.openxmlformats.org/officeDocument/2006/math" xmlns:a14="http://schemas.microsoft.com/office/drawing/2010/main" xmlns:ma14="http://schemas.microsoft.com/office/mac/drawingml/2011/main" val="1"/>
+              <ma14:wrappingTextBoxFlag xmlns:ma14="http://schemas.microsoft.com/office/mac/drawingml/2011/main" xmlns:a14="http://schemas.microsoft.com/office/drawing/2010/main" xmlns:m="http://schemas.openxmlformats.org/officeDocument/2006/math" xmlns="" val="1"/>
             </a:ext>
           </a:extLst>
         </p:spPr>
@@ -7442,7 +7442,7 @@
         </p:nvSpPr>
         <p:spPr>
           <a:xfrm>
-            <a:off x="1422925" y="4766815"/>
+            <a:off x="1422925" y="4902012"/>
             <a:ext cx="21538148" cy="1333698"/>
           </a:xfrm>
           <a:prstGeom prst="rect">
@@ -7564,7 +7564,7 @@
         </p:nvSpPr>
         <p:spPr>
           <a:xfrm>
-            <a:off x="1422926" y="1870010"/>
+            <a:off x="1422926" y="2080065"/>
             <a:ext cx="20922724" cy="1938992"/>
           </a:xfrm>
           <a:prstGeom prst="rect">
@@ -7698,7 +7698,7 @@
         </p:nvSpPr>
         <p:spPr>
           <a:xfrm>
-            <a:off x="1422926" y="1613282"/>
+            <a:off x="1422926" y="1731270"/>
             <a:ext cx="20922724" cy="2617643"/>
           </a:xfrm>
           <a:prstGeom prst="rect">
